--- a/PosterDesign.pptx
+++ b/PosterDesign.pptx
@@ -203,7 +203,7 @@
           <a:p>
             <a:fld id="{F1C0B079-A316-4C9B-B165-DF9EA8325D2C}" type="datetimeFigureOut">
               <a:rPr lang="en-US" smtClean="0"/>
-              <a:t>7/26/2017</a:t>
+              <a:t>7/27/2017</a:t>
             </a:fld>
             <a:endParaRPr lang="en-US"/>
           </a:p>
@@ -368,7 +368,7 @@
           <a:p>
             <a:fld id="{38F28AB8-57D1-494F-9851-055AD867E790}" type="datetimeFigureOut">
               <a:rPr lang="en-US" smtClean="0"/>
-              <a:t>7/26/2017</a:t>
+              <a:t>7/27/2017</a:t>
             </a:fld>
             <a:endParaRPr lang="en-US"/>
           </a:p>
@@ -828,7 +828,7 @@
           <a:p>
             <a:fld id="{ECAA57DF-1C19-4726-AB84-014692BAD8F5}" type="datetimeFigureOut">
               <a:rPr lang="en-US" smtClean="0"/>
-              <a:t>7/26/2017</a:t>
+              <a:t>7/27/2017</a:t>
             </a:fld>
             <a:endParaRPr lang="en-US"/>
           </a:p>
@@ -3558,7 +3558,7 @@
             <a:fld id="{ECAA57DF-1C19-4726-AB84-014692BAD8F5}" type="datetimeFigureOut">
               <a:rPr lang="en-US" smtClean="0"/>
               <a:pPr/>
-              <a:t>7/26/2017</a:t>
+              <a:t>7/27/2017</a:t>
             </a:fld>
             <a:endParaRPr lang="en-US"/>
           </a:p>
@@ -4113,1268 +4113,40 @@
           </a:p>
         </p:txBody>
       </p:sp>
-      <mc:AlternateContent xmlns:mc="http://schemas.openxmlformats.org/markup-compatibility/2006">
-        <mc:Choice xmlns:a14="http://schemas.microsoft.com/office/drawing/2010/main" Requires="a14">
-          <p:sp>
-            <p:nvSpPr>
-              <p:cNvPr id="11" name="Content Placeholder 10"/>
-              <p:cNvSpPr>
-                <a:spLocks noGrp="1"/>
-              </p:cNvSpPr>
-              <p:nvPr>
-                <p:ph sz="quarter" idx="24"/>
-              </p:nvPr>
-            </p:nvSpPr>
-            <p:spPr/>
-            <p:txBody>
-              <a:bodyPr>
-                <a:normAutofit fontScale="55000" lnSpcReduction="20000"/>
-              </a:bodyPr>
-              <a:lstStyle/>
-              <a:p>
-                <a:r>
-                  <a:rPr lang="en-US" dirty="0"/>
-                  <a:t>Euler Second Order </a:t>
-                </a:r>
-                <a:r>
-                  <a:rPr lang="en-US" dirty="0" smtClean="0"/>
-                  <a:t>Equation</a:t>
-                </a:r>
-                <a:r>
-                  <a:rPr lang="en-US" dirty="0"/>
-                  <a:t> </a:t>
-                </a:r>
-              </a:p>
-              <a:p>
-                <a14:m>
-                  <m:oMath xmlns:m="http://schemas.openxmlformats.org/officeDocument/2006/math">
-                    <m:sSub>
-                      <m:sSubPr>
-                        <m:ctrlPr>
-                          <a:rPr lang="en-US" i="1"/>
-                        </m:ctrlPr>
-                      </m:sSubPr>
-                      <m:e>
-                        <m:r>
-                          <a:rPr lang="en-US" b="1" i="1"/>
-                          <m:t>𝐩</m:t>
-                        </m:r>
-                      </m:e>
-                      <m:sub>
-                        <m:r>
-                          <a:rPr lang="en-US" i="1"/>
-                          <m:t>𝑘</m:t>
-                        </m:r>
-                      </m:sub>
-                    </m:sSub>
-                    <m:r>
-                      <a:rPr lang="en-US" i="1"/>
-                      <m:t>=</m:t>
-                    </m:r>
-                    <m:sSub>
-                      <m:sSubPr>
-                        <m:ctrlPr>
-                          <a:rPr lang="en-US" i="1"/>
-                        </m:ctrlPr>
-                      </m:sSubPr>
-                      <m:e>
-                        <m:r>
-                          <a:rPr lang="en-US" b="1" i="1"/>
-                          <m:t>𝐩</m:t>
-                        </m:r>
-                      </m:e>
-                      <m:sub>
-                        <m:r>
-                          <a:rPr lang="en-US" i="1"/>
-                          <m:t>𝑘</m:t>
-                        </m:r>
-                        <m:r>
-                          <a:rPr lang="en-US" i="1"/>
-                          <m:t>−1</m:t>
-                        </m:r>
-                      </m:sub>
-                    </m:sSub>
-                    <m:r>
-                      <a:rPr lang="en-US" i="1"/>
-                      <m:t>+ </m:t>
-                    </m:r>
-                    <m:f>
-                      <m:fPr>
-                        <m:ctrlPr>
-                          <a:rPr lang="en-US" i="1"/>
-                        </m:ctrlPr>
-                      </m:fPr>
-                      <m:num>
-                        <m:r>
-                          <a:rPr lang="en-US" b="1" i="1"/>
-                          <m:t>𝐠</m:t>
-                        </m:r>
-                        <m:d>
-                          <m:dPr>
-                            <m:ctrlPr>
-                              <a:rPr lang="en-US" i="1"/>
-                            </m:ctrlPr>
-                          </m:dPr>
-                          <m:e>
-                            <m:sSub>
-                              <m:sSubPr>
-                                <m:ctrlPr>
-                                  <a:rPr lang="en-US" i="1"/>
-                                </m:ctrlPr>
-                              </m:sSubPr>
-                              <m:e>
-                                <m:r>
-                                  <a:rPr lang="en-US" b="1" i="1"/>
-                                  <m:t>𝐱</m:t>
-                                </m:r>
-                              </m:e>
-                              <m:sub>
-                                <m:r>
-                                  <a:rPr lang="en-US" i="1"/>
-                                  <m:t>𝑘</m:t>
-                                </m:r>
-                                <m:r>
-                                  <a:rPr lang="en-US" i="1"/>
-                                  <m:t>−1</m:t>
-                                </m:r>
-                              </m:sub>
-                            </m:sSub>
-                          </m:e>
-                        </m:d>
-                        <m:r>
-                          <a:rPr lang="en-US" i="1"/>
-                          <m:t>+</m:t>
-                        </m:r>
-                        <m:r>
-                          <a:rPr lang="en-US" b="1" i="1"/>
-                          <m:t>𝐠</m:t>
-                        </m:r>
-                        <m:d>
-                          <m:dPr>
-                            <m:ctrlPr>
-                              <a:rPr lang="en-US" i="1"/>
-                            </m:ctrlPr>
-                          </m:dPr>
-                          <m:e>
-                            <m:sSub>
-                              <m:sSubPr>
-                                <m:ctrlPr>
-                                  <a:rPr lang="en-US" i="1"/>
-                                </m:ctrlPr>
-                              </m:sSubPr>
-                              <m:e>
-                                <m:r>
-                                  <a:rPr lang="en-US" b="1" i="1"/>
-                                  <m:t>𝐱</m:t>
-                                </m:r>
-                              </m:e>
-                              <m:sub>
-                                <m:r>
-                                  <a:rPr lang="en-US" i="1"/>
-                                  <m:t>𝑘</m:t>
-                                </m:r>
-                              </m:sub>
-                            </m:sSub>
-                          </m:e>
-                        </m:d>
-                      </m:num>
-                      <m:den>
-                        <m:r>
-                          <a:rPr lang="en-US" i="1"/>
-                          <m:t>2</m:t>
-                        </m:r>
-                      </m:den>
-                    </m:f>
-                    <m:r>
-                      <a:rPr lang="en-US" i="1"/>
-                      <m:t>∆</m:t>
-                    </m:r>
-                    <m:r>
-                      <a:rPr lang="en-US" i="1"/>
-                      <m:t>𝜎</m:t>
-                    </m:r>
-                  </m:oMath>
-                </a14:m>
-                <a:endParaRPr lang="en-US" dirty="0"/>
-              </a:p>
-              <a:p>
-                <a14:m>
-                  <m:oMath xmlns:m="http://schemas.openxmlformats.org/officeDocument/2006/math">
-                    <m:sSub>
-                      <m:sSubPr>
-                        <m:ctrlPr>
-                          <a:rPr lang="en-US" i="1"/>
-                        </m:ctrlPr>
-                      </m:sSubPr>
-                      <m:e>
-                        <m:r>
-                          <a:rPr lang="en-US" b="1" i="1"/>
-                          <m:t>𝐱</m:t>
-                        </m:r>
-                      </m:e>
-                      <m:sub>
-                        <m:r>
-                          <a:rPr lang="en-US" i="1"/>
-                          <m:t>𝑘</m:t>
-                        </m:r>
-                      </m:sub>
-                    </m:sSub>
-                    <m:r>
-                      <a:rPr lang="en-US" i="1"/>
-                      <m:t>=</m:t>
-                    </m:r>
-                    <m:sSub>
-                      <m:sSubPr>
-                        <m:ctrlPr>
-                          <a:rPr lang="en-US" i="1"/>
-                        </m:ctrlPr>
-                      </m:sSubPr>
-                      <m:e>
-                        <m:r>
-                          <a:rPr lang="en-US" b="1" i="1"/>
-                          <m:t>𝐱</m:t>
-                        </m:r>
-                      </m:e>
-                      <m:sub>
-                        <m:r>
-                          <a:rPr lang="en-US" i="1"/>
-                          <m:t>𝑘</m:t>
-                        </m:r>
-                        <m:r>
-                          <a:rPr lang="en-US" i="1"/>
-                          <m:t>−1</m:t>
-                        </m:r>
-                      </m:sub>
-                    </m:sSub>
-                    <m:r>
-                      <a:rPr lang="en-US" i="1"/>
-                      <m:t>+</m:t>
-                    </m:r>
-                    <m:sSub>
-                      <m:sSubPr>
-                        <m:ctrlPr>
-                          <a:rPr lang="en-US" i="1"/>
-                        </m:ctrlPr>
-                      </m:sSubPr>
-                      <m:e>
-                        <m:r>
-                          <a:rPr lang="en-US" b="1" i="1"/>
-                          <m:t>𝐩</m:t>
-                        </m:r>
-                      </m:e>
-                      <m:sub>
-                        <m:r>
-                          <a:rPr lang="en-US" i="1"/>
-                          <m:t>𝑘</m:t>
-                        </m:r>
-                        <m:r>
-                          <a:rPr lang="en-US" i="1"/>
-                          <m:t>−1</m:t>
-                        </m:r>
-                      </m:sub>
-                    </m:sSub>
-                    <m:r>
-                      <a:rPr lang="en-US" i="1"/>
-                      <m:t>∆</m:t>
-                    </m:r>
-                    <m:r>
-                      <a:rPr lang="en-US" i="1"/>
-                      <m:t>𝜎</m:t>
-                    </m:r>
-                    <m:r>
-                      <a:rPr lang="en-US" i="1"/>
-                      <m:t>+</m:t>
-                    </m:r>
-                    <m:r>
-                      <a:rPr lang="en-US" b="1" i="1"/>
-                      <m:t>𝐠</m:t>
-                    </m:r>
-                    <m:d>
-                      <m:dPr>
-                        <m:ctrlPr>
-                          <a:rPr lang="en-US" i="1"/>
-                        </m:ctrlPr>
-                      </m:dPr>
-                      <m:e>
-                        <m:sSub>
-                          <m:sSubPr>
-                            <m:ctrlPr>
-                              <a:rPr lang="en-US" i="1"/>
-                            </m:ctrlPr>
-                          </m:sSubPr>
-                          <m:e>
-                            <m:r>
-                              <a:rPr lang="en-US" b="1" i="1"/>
-                              <m:t>𝐱</m:t>
-                            </m:r>
-                          </m:e>
-                          <m:sub>
-                            <m:r>
-                              <a:rPr lang="en-US" i="1"/>
-                              <m:t>0</m:t>
-                            </m:r>
-                          </m:sub>
-                        </m:sSub>
-                      </m:e>
-                    </m:d>
-                    <m:f>
-                      <m:fPr>
-                        <m:ctrlPr>
-                          <a:rPr lang="en-US" i="1"/>
-                        </m:ctrlPr>
-                      </m:fPr>
-                      <m:num>
-                        <m:sSup>
-                          <m:sSupPr>
-                            <m:ctrlPr>
-                              <a:rPr lang="en-US" i="1"/>
-                            </m:ctrlPr>
-                          </m:sSupPr>
-                          <m:e>
-                            <m:d>
-                              <m:dPr>
-                                <m:ctrlPr>
-                                  <a:rPr lang="en-US" i="1"/>
-                                </m:ctrlPr>
-                              </m:dPr>
-                              <m:e>
-                                <m:r>
-                                  <a:rPr lang="en-US" i="1"/>
-                                  <m:t>∆</m:t>
-                                </m:r>
-                                <m:r>
-                                  <a:rPr lang="en-US" i="1"/>
-                                  <m:t>𝜎</m:t>
-                                </m:r>
-                              </m:e>
-                            </m:d>
-                          </m:e>
-                          <m:sup>
-                            <m:r>
-                              <a:rPr lang="en-US" i="1"/>
-                              <m:t>2</m:t>
-                            </m:r>
-                          </m:sup>
-                        </m:sSup>
-                      </m:num>
-                      <m:den>
-                        <m:r>
-                          <a:rPr lang="en-US" i="1"/>
-                          <m:t>2</m:t>
-                        </m:r>
-                      </m:den>
-                    </m:f>
-                  </m:oMath>
-                </a14:m>
-                <a:endParaRPr lang="en-US" dirty="0"/>
-              </a:p>
-              <a:p>
-                <a:r>
-                  <a:rPr lang="en-US" dirty="0"/>
-                  <a:t>Euler First order equation</a:t>
-                </a:r>
-              </a:p>
-              <a:p>
-                <a14:m>
-                  <m:oMath xmlns:m="http://schemas.openxmlformats.org/officeDocument/2006/math">
-                    <m:sSub>
-                      <m:sSubPr>
-                        <m:ctrlPr>
-                          <a:rPr lang="en-US" i="1"/>
-                        </m:ctrlPr>
-                      </m:sSubPr>
-                      <m:e>
-                        <m:r>
-                          <a:rPr lang="en-US" b="1" i="1"/>
-                          <m:t>𝐱</m:t>
-                        </m:r>
-                      </m:e>
-                      <m:sub>
-                        <m:r>
-                          <a:rPr lang="en-US" i="1"/>
-                          <m:t>𝑘</m:t>
-                        </m:r>
-                      </m:sub>
-                    </m:sSub>
-                    <m:r>
-                      <a:rPr lang="en-US" i="1"/>
-                      <m:t>=</m:t>
-                    </m:r>
-                    <m:sSub>
-                      <m:sSubPr>
-                        <m:ctrlPr>
-                          <a:rPr lang="en-US" i="1"/>
-                        </m:ctrlPr>
-                      </m:sSubPr>
-                      <m:e>
-                        <m:r>
-                          <a:rPr lang="en-US" b="1" i="1"/>
-                          <m:t>𝐱</m:t>
-                        </m:r>
-                      </m:e>
-                      <m:sub>
-                        <m:r>
-                          <a:rPr lang="en-US" i="1"/>
-                          <m:t>𝑘</m:t>
-                        </m:r>
-                        <m:r>
-                          <a:rPr lang="en-US" i="1"/>
-                          <m:t>−1</m:t>
-                        </m:r>
-                      </m:sub>
-                    </m:sSub>
-                    <m:r>
-                      <a:rPr lang="en-US" i="1"/>
-                      <m:t>+</m:t>
-                    </m:r>
-                    <m:sSub>
-                      <m:sSubPr>
-                        <m:ctrlPr>
-                          <a:rPr lang="en-US" i="1"/>
-                        </m:ctrlPr>
-                      </m:sSubPr>
-                      <m:e>
-                        <m:r>
-                          <a:rPr lang="en-US" b="1" i="1"/>
-                          <m:t>𝐩</m:t>
-                        </m:r>
-                      </m:e>
-                      <m:sub>
-                        <m:r>
-                          <a:rPr lang="en-US" i="1"/>
-                          <m:t>𝑘</m:t>
-                        </m:r>
-                        <m:r>
-                          <a:rPr lang="en-US" i="1"/>
-                          <m:t>−1</m:t>
-                        </m:r>
-                      </m:sub>
-                    </m:sSub>
-                    <m:r>
-                      <a:rPr lang="en-US" i="1"/>
-                      <m:t>∆</m:t>
-                    </m:r>
-                    <m:r>
-                      <a:rPr lang="en-US" i="1"/>
-                      <m:t>𝜎</m:t>
-                    </m:r>
-                  </m:oMath>
-                </a14:m>
-                <a:endParaRPr lang="en-US" dirty="0"/>
-              </a:p>
-              <a:p>
-                <a14:m>
-                  <m:oMath xmlns:m="http://schemas.openxmlformats.org/officeDocument/2006/math">
-                    <m:sSub>
-                      <m:sSubPr>
-                        <m:ctrlPr>
-                          <a:rPr lang="en-US" i="1"/>
-                        </m:ctrlPr>
-                      </m:sSubPr>
-                      <m:e>
-                        <m:r>
-                          <a:rPr lang="en-US" b="1" i="1"/>
-                          <m:t>𝐩</m:t>
-                        </m:r>
-                      </m:e>
-                      <m:sub>
-                        <m:r>
-                          <a:rPr lang="en-US" i="1"/>
-                          <m:t>𝑘</m:t>
-                        </m:r>
-                      </m:sub>
-                    </m:sSub>
-                    <m:r>
-                      <a:rPr lang="en-US" i="1"/>
-                      <m:t>=</m:t>
-                    </m:r>
-                    <m:sSub>
-                      <m:sSubPr>
-                        <m:ctrlPr>
-                          <a:rPr lang="en-US" i="1"/>
-                        </m:ctrlPr>
-                      </m:sSubPr>
-                      <m:e>
-                        <m:r>
-                          <a:rPr lang="en-US" b="1" i="1"/>
-                          <m:t>𝐩</m:t>
-                        </m:r>
-                      </m:e>
-                      <m:sub>
-                        <m:r>
-                          <a:rPr lang="en-US" i="1"/>
-                          <m:t>𝑘</m:t>
-                        </m:r>
-                        <m:r>
-                          <a:rPr lang="en-US" i="1"/>
-                          <m:t>−1</m:t>
-                        </m:r>
-                      </m:sub>
-                    </m:sSub>
-                    <m:r>
-                      <a:rPr lang="en-US" i="1"/>
-                      <m:t>+ </m:t>
-                    </m:r>
-                    <m:r>
-                      <a:rPr lang="en-US" b="1" i="1"/>
-                      <m:t>𝐠</m:t>
-                    </m:r>
-                    <m:r>
-                      <a:rPr lang="en-US" i="1"/>
-                      <m:t>(</m:t>
-                    </m:r>
-                    <m:sSub>
-                      <m:sSubPr>
-                        <m:ctrlPr>
-                          <a:rPr lang="en-US" i="1"/>
-                        </m:ctrlPr>
-                      </m:sSubPr>
-                      <m:e>
-                        <m:r>
-                          <a:rPr lang="en-US" b="1" i="1"/>
-                          <m:t>𝐱</m:t>
-                        </m:r>
-                      </m:e>
-                      <m:sub>
-                        <m:r>
-                          <a:rPr lang="en-US" i="1"/>
-                          <m:t>𝑘</m:t>
-                        </m:r>
-                        <m:r>
-                          <a:rPr lang="en-US" i="1"/>
-                          <m:t>−1</m:t>
-                        </m:r>
-                      </m:sub>
-                    </m:sSub>
-                    <m:r>
-                      <a:rPr lang="en-US" i="1"/>
-                      <m:t>)∆</m:t>
-                    </m:r>
-                    <m:r>
-                      <a:rPr lang="en-US" i="1"/>
-                      <m:t>𝜎</m:t>
-                    </m:r>
-                  </m:oMath>
-                </a14:m>
-                <a:endParaRPr lang="en-US" dirty="0"/>
-              </a:p>
-              <a:p>
-                <a:r>
-                  <a:rPr lang="en-US" dirty="0"/>
-                  <a:t>Analytic Solution </a:t>
-                </a:r>
-              </a:p>
-              <a:p>
-                <a14:m>
-                  <m:oMath xmlns:m="http://schemas.openxmlformats.org/officeDocument/2006/math">
-                    <m:r>
-                      <a:rPr lang="en-US" i="1"/>
-                      <m:t>𝑆</m:t>
-                    </m:r>
-                    <m:d>
-                      <m:dPr>
-                        <m:ctrlPr>
-                          <a:rPr lang="en-US" i="1"/>
-                        </m:ctrlPr>
-                      </m:dPr>
-                      <m:e>
-                        <m:r>
-                          <a:rPr lang="en-US" b="1" i="1"/>
-                          <m:t>𝐱</m:t>
-                        </m:r>
-                      </m:e>
-                    </m:d>
-                    <m:r>
-                      <a:rPr lang="en-US"/>
-                      <m:t>∇</m:t>
-                    </m:r>
-                    <m:r>
-                      <a:rPr lang="en-US" i="1"/>
-                      <m:t>𝑆</m:t>
-                    </m:r>
-                    <m:r>
-                      <a:rPr lang="en-US" b="1" i="1"/>
-                      <m:t>=</m:t>
-                    </m:r>
-                    <m:sSub>
-                      <m:sSubPr>
-                        <m:ctrlPr>
-                          <a:rPr lang="en-US" i="1"/>
-                        </m:ctrlPr>
-                      </m:sSubPr>
-                      <m:e>
-                        <m:r>
-                          <a:rPr lang="en-US" b="1" i="1"/>
-                          <m:t>𝐠</m:t>
-                        </m:r>
-                      </m:e>
-                      <m:sub>
-                        <m:r>
-                          <a:rPr lang="en-US"/>
-                          <m:t>0</m:t>
-                        </m:r>
-                      </m:sub>
-                    </m:sSub>
-                  </m:oMath>
-                </a14:m>
-                <a:endParaRPr lang="en-US" dirty="0"/>
-              </a:p>
-              <a:p>
-                <a14:m>
-                  <m:oMath xmlns:m="http://schemas.openxmlformats.org/officeDocument/2006/math">
-                    <m:r>
-                      <a:rPr lang="en-US" b="1" i="1"/>
-                      <m:t>𝐩</m:t>
-                    </m:r>
-                    <m:d>
-                      <m:dPr>
-                        <m:ctrlPr>
-                          <a:rPr lang="en-US" i="1"/>
-                        </m:ctrlPr>
-                      </m:dPr>
-                      <m:e>
-                        <m:r>
-                          <a:rPr lang="en-US" i="1"/>
-                          <m:t>𝜎</m:t>
-                        </m:r>
-                      </m:e>
-                    </m:d>
-                    <m:r>
-                      <a:rPr lang="en-US" b="1" i="1"/>
-                      <m:t>=</m:t>
-                    </m:r>
-                    <m:sSub>
-                      <m:sSubPr>
-                        <m:ctrlPr>
-                          <a:rPr lang="en-US" i="1"/>
-                        </m:ctrlPr>
-                      </m:sSubPr>
-                      <m:e>
-                        <m:r>
-                          <a:rPr lang="en-US" b="1" i="1"/>
-                          <m:t>𝐩</m:t>
-                        </m:r>
-                      </m:e>
-                      <m:sub>
-                        <m:r>
-                          <a:rPr lang="en-US" i="1"/>
-                          <m:t>0</m:t>
-                        </m:r>
-                      </m:sub>
-                    </m:sSub>
-                    <m:r>
-                      <a:rPr lang="en-US" i="1"/>
-                      <m:t>+</m:t>
-                    </m:r>
-                    <m:sSub>
-                      <m:sSubPr>
-                        <m:ctrlPr>
-                          <a:rPr lang="en-US" b="1" i="1"/>
-                        </m:ctrlPr>
-                      </m:sSubPr>
-                      <m:e>
-                        <m:r>
-                          <a:rPr lang="en-US" b="1" i="1"/>
-                          <m:t>𝐠</m:t>
-                        </m:r>
-                      </m:e>
-                      <m:sub>
-                        <m:r>
-                          <a:rPr lang="en-US"/>
-                          <m:t>0</m:t>
-                        </m:r>
-                      </m:sub>
-                    </m:sSub>
-                    <m:r>
-                      <a:rPr lang="en-US" i="1"/>
-                      <m:t>𝜎</m:t>
-                    </m:r>
-                  </m:oMath>
-                </a14:m>
-                <a:endParaRPr lang="en-US" dirty="0"/>
-              </a:p>
-              <a:p>
-                <a14:m>
-                  <m:oMath xmlns:m="http://schemas.openxmlformats.org/officeDocument/2006/math">
-                    <m:r>
-                      <a:rPr lang="en-US" b="1" i="1"/>
-                      <m:t>𝐱</m:t>
-                    </m:r>
-                    <m:d>
-                      <m:dPr>
-                        <m:ctrlPr>
-                          <a:rPr lang="en-US" i="1"/>
-                        </m:ctrlPr>
-                      </m:dPr>
-                      <m:e>
-                        <m:r>
-                          <a:rPr lang="en-US" i="1"/>
-                          <m:t>𝜎</m:t>
-                        </m:r>
-                      </m:e>
-                    </m:d>
-                    <m:r>
-                      <a:rPr lang="en-US" i="1"/>
-                      <m:t>=</m:t>
-                    </m:r>
-                    <m:sSub>
-                      <m:sSubPr>
-                        <m:ctrlPr>
-                          <a:rPr lang="en-US" i="1"/>
-                        </m:ctrlPr>
-                      </m:sSubPr>
-                      <m:e>
-                        <m:r>
-                          <a:rPr lang="en-US" b="1" i="1"/>
-                          <m:t>𝐱</m:t>
-                        </m:r>
-                      </m:e>
-                      <m:sub>
-                        <m:r>
-                          <a:rPr lang="en-US"/>
-                          <m:t>0</m:t>
-                        </m:r>
-                      </m:sub>
-                    </m:sSub>
-                    <m:r>
-                      <a:rPr lang="en-US" i="1"/>
-                      <m:t>+</m:t>
-                    </m:r>
-                    <m:sSub>
-                      <m:sSubPr>
-                        <m:ctrlPr>
-                          <a:rPr lang="en-US" i="1"/>
-                        </m:ctrlPr>
-                      </m:sSubPr>
-                      <m:e>
-                        <m:r>
-                          <a:rPr lang="en-US" b="1" i="1"/>
-                          <m:t>𝐩</m:t>
-                        </m:r>
-                      </m:e>
-                      <m:sub>
-                        <m:r>
-                          <a:rPr lang="en-US"/>
-                          <m:t>0</m:t>
-                        </m:r>
-                      </m:sub>
-                    </m:sSub>
-                    <m:r>
-                      <a:rPr lang="en-US" i="1"/>
-                      <m:t>𝜎</m:t>
-                    </m:r>
-                    <m:r>
-                      <a:rPr lang="en-US" i="1"/>
-                      <m:t>+</m:t>
-                    </m:r>
-                    <m:sSub>
-                      <m:sSubPr>
-                        <m:ctrlPr>
-                          <a:rPr lang="en-US" i="1"/>
-                        </m:ctrlPr>
-                      </m:sSubPr>
-                      <m:e>
-                        <m:r>
-                          <a:rPr lang="en-US" b="1" i="1"/>
-                          <m:t>𝐠</m:t>
-                        </m:r>
-                      </m:e>
-                      <m:sub>
-                        <m:r>
-                          <a:rPr lang="en-US"/>
-                          <m:t>0</m:t>
-                        </m:r>
-                      </m:sub>
-                    </m:sSub>
-                    <m:f>
-                      <m:fPr>
-                        <m:ctrlPr>
-                          <a:rPr lang="en-US" i="1"/>
-                        </m:ctrlPr>
-                      </m:fPr>
-                      <m:num>
-                        <m:sSup>
-                          <m:sSupPr>
-                            <m:ctrlPr>
-                              <a:rPr lang="en-US" i="1"/>
-                            </m:ctrlPr>
-                          </m:sSupPr>
-                          <m:e>
-                            <m:r>
-                              <a:rPr lang="en-US" i="1"/>
-                              <m:t>𝜎</m:t>
-                            </m:r>
-                          </m:e>
-                          <m:sup>
-                            <m:r>
-                              <a:rPr lang="en-US" i="1"/>
-                              <m:t>2</m:t>
-                            </m:r>
-                          </m:sup>
-                        </m:sSup>
-                      </m:num>
-                      <m:den>
-                        <m:r>
-                          <a:rPr lang="en-US" i="1"/>
-                          <m:t>2</m:t>
-                        </m:r>
-                      </m:den>
-                    </m:f>
-                  </m:oMath>
-                </a14:m>
-                <a:endParaRPr lang="en-US" dirty="0"/>
-              </a:p>
-              <a:p>
-                <a:r>
-                  <a:rPr lang="en-US" dirty="0"/>
-                  <a:t>Euler Half </a:t>
-                </a:r>
-                <a:r>
-                  <a:rPr lang="en-US" dirty="0" smtClean="0"/>
-                  <a:t>Steps</a:t>
-                </a:r>
-              </a:p>
-              <a:p>
-                <a14:m>
-                  <m:oMath xmlns:m="http://schemas.openxmlformats.org/officeDocument/2006/math">
-                    <m:sSub>
-                      <m:sSubPr>
-                        <m:ctrlPr>
-                          <a:rPr lang="en-US" i="1"/>
-                        </m:ctrlPr>
-                      </m:sSubPr>
-                      <m:e>
-                        <m:r>
-                          <a:rPr lang="en-US" b="1" i="1"/>
-                          <m:t>𝐩</m:t>
-                        </m:r>
-                      </m:e>
-                      <m:sub>
-                        <m:r>
-                          <a:rPr lang="en-US" i="1"/>
-                          <m:t>1/2</m:t>
-                        </m:r>
-                      </m:sub>
-                    </m:sSub>
-                    <m:r>
-                      <a:rPr lang="en-US" i="1"/>
-                      <m:t>=</m:t>
-                    </m:r>
-                    <m:sSub>
-                      <m:sSubPr>
-                        <m:ctrlPr>
-                          <a:rPr lang="en-US" i="1"/>
-                        </m:ctrlPr>
-                      </m:sSubPr>
-                      <m:e>
-                        <m:r>
-                          <a:rPr lang="en-US" b="1" i="1"/>
-                          <m:t>𝐩</m:t>
-                        </m:r>
-                      </m:e>
-                      <m:sub>
-                        <m:r>
-                          <a:rPr lang="en-US" i="1"/>
-                          <m:t>0</m:t>
-                        </m:r>
-                      </m:sub>
-                    </m:sSub>
-                    <m:r>
-                      <a:rPr lang="en-US" i="1"/>
-                      <m:t>+ </m:t>
-                    </m:r>
-                    <m:r>
-                      <a:rPr lang="en-US" b="1" i="1"/>
-                      <m:t>𝐠</m:t>
-                    </m:r>
-                    <m:r>
-                      <a:rPr lang="en-US" i="1"/>
-                      <m:t>(</m:t>
-                    </m:r>
-                    <m:sSub>
-                      <m:sSubPr>
-                        <m:ctrlPr>
-                          <a:rPr lang="en-US" i="1"/>
-                        </m:ctrlPr>
-                      </m:sSubPr>
-                      <m:e>
-                        <m:r>
-                          <a:rPr lang="en-US" b="1" i="1"/>
-                          <m:t>𝐱</m:t>
-                        </m:r>
-                      </m:e>
-                      <m:sub>
-                        <m:r>
-                          <a:rPr lang="en-US" i="1"/>
-                          <m:t>0</m:t>
-                        </m:r>
-                      </m:sub>
-                    </m:sSub>
-                    <m:r>
-                      <a:rPr lang="en-US" i="1"/>
-                      <m:t>)</m:t>
-                    </m:r>
-                    <m:f>
-                      <m:fPr>
-                        <m:ctrlPr>
-                          <a:rPr lang="en-US" i="1"/>
-                        </m:ctrlPr>
-                      </m:fPr>
-                      <m:num>
-                        <m:r>
-                          <a:rPr lang="en-US" i="1"/>
-                          <m:t>∆</m:t>
-                        </m:r>
-                        <m:r>
-                          <a:rPr lang="en-US" i="1"/>
-                          <m:t>𝜎</m:t>
-                        </m:r>
-                      </m:num>
-                      <m:den>
-                        <m:r>
-                          <a:rPr lang="en-US" i="1"/>
-                          <m:t>2</m:t>
-                        </m:r>
-                      </m:den>
-                    </m:f>
-                  </m:oMath>
-                </a14:m>
-                <a:endParaRPr lang="en-US" dirty="0"/>
-              </a:p>
-              <a:p>
-                <a14:m>
-                  <m:oMath xmlns:m="http://schemas.openxmlformats.org/officeDocument/2006/math">
-                    <m:sSub>
-                      <m:sSubPr>
-                        <m:ctrlPr>
-                          <a:rPr lang="en-US" i="1"/>
-                        </m:ctrlPr>
-                      </m:sSubPr>
-                      <m:e>
-                        <m:r>
-                          <a:rPr lang="en-US" b="1" i="1"/>
-                          <m:t>𝐱</m:t>
-                        </m:r>
-                      </m:e>
-                      <m:sub>
-                        <m:r>
-                          <a:rPr lang="en-US" i="1"/>
-                          <m:t>1/2</m:t>
-                        </m:r>
-                      </m:sub>
-                    </m:sSub>
-                    <m:r>
-                      <a:rPr lang="en-US" i="1"/>
-                      <m:t>=</m:t>
-                    </m:r>
-                    <m:sSub>
-                      <m:sSubPr>
-                        <m:ctrlPr>
-                          <a:rPr lang="en-US" i="1"/>
-                        </m:ctrlPr>
-                      </m:sSubPr>
-                      <m:e>
-                        <m:r>
-                          <a:rPr lang="en-US" b="1" i="1"/>
-                          <m:t>𝐱</m:t>
-                        </m:r>
-                      </m:e>
-                      <m:sub>
-                        <m:r>
-                          <a:rPr lang="en-US" i="1"/>
-                          <m:t>0</m:t>
-                        </m:r>
-                      </m:sub>
-                    </m:sSub>
-                    <m:r>
-                      <a:rPr lang="en-US" i="1"/>
-                      <m:t>+</m:t>
-                    </m:r>
-                    <m:sSub>
-                      <m:sSubPr>
-                        <m:ctrlPr>
-                          <a:rPr lang="en-US" i="1"/>
-                        </m:ctrlPr>
-                      </m:sSubPr>
-                      <m:e>
-                        <m:r>
-                          <a:rPr lang="en-US" b="1" i="1"/>
-                          <m:t>𝐩</m:t>
-                        </m:r>
-                      </m:e>
-                      <m:sub>
-                        <m:r>
-                          <a:rPr lang="en-US"/>
-                          <m:t>1/2</m:t>
-                        </m:r>
-                      </m:sub>
-                    </m:sSub>
-                    <m:f>
-                      <m:fPr>
-                        <m:ctrlPr>
-                          <a:rPr lang="en-US" i="1"/>
-                        </m:ctrlPr>
-                      </m:fPr>
-                      <m:num>
-                        <m:r>
-                          <a:rPr lang="en-US" i="1"/>
-                          <m:t>∆</m:t>
-                        </m:r>
-                        <m:r>
-                          <a:rPr lang="en-US" i="1"/>
-                          <m:t>𝜎</m:t>
-                        </m:r>
-                      </m:num>
-                      <m:den>
-                        <m:r>
-                          <a:rPr lang="en-US" i="1"/>
-                          <m:t>2</m:t>
-                        </m:r>
-                      </m:den>
-                    </m:f>
-                  </m:oMath>
-                </a14:m>
-                <a:endParaRPr lang="en-US" dirty="0"/>
-              </a:p>
-              <a:p>
-                <a14:m>
-                  <m:oMath xmlns:m="http://schemas.openxmlformats.org/officeDocument/2006/math">
-                    <m:sSub>
-                      <m:sSubPr>
-                        <m:ctrlPr>
-                          <a:rPr lang="en-US" i="1"/>
-                        </m:ctrlPr>
-                      </m:sSubPr>
-                      <m:e>
-                        <m:r>
-                          <a:rPr lang="en-US" b="1" i="1"/>
-                          <m:t>𝐱</m:t>
-                        </m:r>
-                      </m:e>
-                      <m:sub>
-                        <m:r>
-                          <a:rPr lang="en-US" i="1"/>
-                          <m:t>1</m:t>
-                        </m:r>
-                      </m:sub>
-                    </m:sSub>
-                    <m:r>
-                      <a:rPr lang="en-US" i="1"/>
-                      <m:t>=</m:t>
-                    </m:r>
-                    <m:sSub>
-                      <m:sSubPr>
-                        <m:ctrlPr>
-                          <a:rPr lang="en-US" i="1"/>
-                        </m:ctrlPr>
-                      </m:sSubPr>
-                      <m:e>
-                        <m:r>
-                          <a:rPr lang="en-US" b="1" i="1"/>
-                          <m:t>𝐱</m:t>
-                        </m:r>
-                      </m:e>
-                      <m:sub>
-                        <m:r>
-                          <a:rPr lang="en-US" i="1"/>
-                          <m:t>1/2</m:t>
-                        </m:r>
-                      </m:sub>
-                    </m:sSub>
-                    <m:r>
-                      <a:rPr lang="en-US" i="1"/>
-                      <m:t>+</m:t>
-                    </m:r>
-                    <m:sSub>
-                      <m:sSubPr>
-                        <m:ctrlPr>
-                          <a:rPr lang="en-US" i="1"/>
-                        </m:ctrlPr>
-                      </m:sSubPr>
-                      <m:e>
-                        <m:r>
-                          <a:rPr lang="en-US" b="1" i="1"/>
-                          <m:t>𝐩</m:t>
-                        </m:r>
-                      </m:e>
-                      <m:sub>
-                        <m:r>
-                          <a:rPr lang="en-US"/>
-                          <m:t>1/2</m:t>
-                        </m:r>
-                      </m:sub>
-                    </m:sSub>
-                    <m:f>
-                      <m:fPr>
-                        <m:ctrlPr>
-                          <a:rPr lang="en-US" i="1"/>
-                        </m:ctrlPr>
-                      </m:fPr>
-                      <m:num>
-                        <m:r>
-                          <a:rPr lang="en-US" i="1"/>
-                          <m:t>∆</m:t>
-                        </m:r>
-                        <m:r>
-                          <a:rPr lang="en-US" i="1"/>
-                          <m:t>𝜎</m:t>
-                        </m:r>
-                      </m:num>
-                      <m:den>
-                        <m:r>
-                          <a:rPr lang="en-US" i="1"/>
-                          <m:t>2</m:t>
-                        </m:r>
-                      </m:den>
-                    </m:f>
-                  </m:oMath>
-                </a14:m>
-                <a:endParaRPr lang="en-US" dirty="0"/>
-              </a:p>
-              <a:p>
-                <a14:m>
-                  <m:oMath xmlns:m="http://schemas.openxmlformats.org/officeDocument/2006/math">
-                    <m:sSub>
-                      <m:sSubPr>
-                        <m:ctrlPr>
-                          <a:rPr lang="en-US" i="1"/>
-                        </m:ctrlPr>
-                      </m:sSubPr>
-                      <m:e>
-                        <m:r>
-                          <a:rPr lang="en-US" b="1" i="1"/>
-                          <m:t>𝐩</m:t>
-                        </m:r>
-                      </m:e>
-                      <m:sub>
-                        <m:r>
-                          <a:rPr lang="en-US" i="1"/>
-                          <m:t>1</m:t>
-                        </m:r>
-                      </m:sub>
-                    </m:sSub>
-                    <m:r>
-                      <a:rPr lang="en-US" i="1"/>
-                      <m:t>=</m:t>
-                    </m:r>
-                    <m:sSub>
-                      <m:sSubPr>
-                        <m:ctrlPr>
-                          <a:rPr lang="en-US" i="1"/>
-                        </m:ctrlPr>
-                      </m:sSubPr>
-                      <m:e>
-                        <m:r>
-                          <a:rPr lang="en-US" b="1" i="1"/>
-                          <m:t>𝐩</m:t>
-                        </m:r>
-                      </m:e>
-                      <m:sub>
-                        <m:r>
-                          <a:rPr lang="en-US" i="1"/>
-                          <m:t>1/2</m:t>
-                        </m:r>
-                      </m:sub>
-                    </m:sSub>
-                    <m:r>
-                      <a:rPr lang="en-US" i="1"/>
-                      <m:t>+ </m:t>
-                    </m:r>
-                    <m:r>
-                      <a:rPr lang="en-US" b="1" i="1"/>
-                      <m:t>𝐠</m:t>
-                    </m:r>
-                    <m:r>
-                      <a:rPr lang="en-US" i="1"/>
-                      <m:t>(</m:t>
-                    </m:r>
-                    <m:sSub>
-                      <m:sSubPr>
-                        <m:ctrlPr>
-                          <a:rPr lang="en-US" i="1"/>
-                        </m:ctrlPr>
-                      </m:sSubPr>
-                      <m:e>
-                        <m:r>
-                          <a:rPr lang="en-US" b="1" i="1"/>
-                          <m:t>𝐱</m:t>
-                        </m:r>
-                      </m:e>
-                      <m:sub>
-                        <m:r>
-                          <a:rPr lang="en-US" i="1"/>
-                          <m:t>1</m:t>
-                        </m:r>
-                      </m:sub>
-                    </m:sSub>
-                    <m:r>
-                      <a:rPr lang="en-US" i="1"/>
-                      <m:t>)</m:t>
-                    </m:r>
-                    <m:f>
-                      <m:fPr>
-                        <m:ctrlPr>
-                          <a:rPr lang="en-US" i="1"/>
-                        </m:ctrlPr>
-                      </m:fPr>
-                      <m:num>
-                        <m:r>
-                          <a:rPr lang="en-US" i="1"/>
-                          <m:t>∆</m:t>
-                        </m:r>
-                        <m:r>
-                          <a:rPr lang="en-US" i="1"/>
-                          <m:t>𝜎</m:t>
-                        </m:r>
-                      </m:num>
-                      <m:den>
-                        <m:r>
-                          <a:rPr lang="en-US" i="1"/>
-                          <m:t>2</m:t>
-                        </m:r>
-                      </m:den>
-                    </m:f>
-                  </m:oMath>
-                </a14:m>
-                <a:endParaRPr lang="en-US" dirty="0"/>
-              </a:p>
-            </p:txBody>
-          </p:sp>
-        </mc:Choice>
-        <mc:Fallback>
-          <p:sp>
-            <p:nvSpPr>
-              <p:cNvPr id="11" name="Content Placeholder 10"/>
-              <p:cNvSpPr>
-                <a:spLocks noGrp="1" noRot="1" noChangeAspect="1" noMove="1" noResize="1" noEditPoints="1" noAdjustHandles="1" noChangeArrowheads="1" noChangeShapeType="1" noTextEdit="1"/>
-              </p:cNvSpPr>
-              <p:nvPr>
-                <p:ph sz="quarter" idx="24"/>
-              </p:nvPr>
-            </p:nvSpPr>
-            <p:spPr>
-              <a:blipFill rotWithShape="0">
-                <a:blip r:embed="rId3"/>
-                <a:stretch>
-                  <a:fillRect/>
-                </a:stretch>
-              </a:blipFill>
-            </p:spPr>
-            <p:txBody>
-              <a:bodyPr/>
-              <a:lstStyle/>
-              <a:p>
-                <a:r>
-                  <a:rPr lang="en-US">
-                    <a:noFill/>
-                  </a:rPr>
-                  <a:t> </a:t>
-                </a:r>
-              </a:p>
-            </p:txBody>
-          </p:sp>
-        </mc:Fallback>
-      </mc:AlternateContent>
+      <p:sp>
+        <p:nvSpPr>
+          <p:cNvPr id="11" name="Content Placeholder 10"/>
+          <p:cNvSpPr>
+            <a:spLocks noGrp="1"/>
+          </p:cNvSpPr>
+          <p:nvPr>
+            <p:ph sz="quarter" idx="24"/>
+          </p:nvPr>
+        </p:nvSpPr>
+        <p:spPr>
+          <a:xfrm>
+            <a:off x="1143000" y="7071360"/>
+            <a:ext cx="12801600" cy="4257833"/>
+          </a:xfrm>
+        </p:spPr>
+        <p:txBody>
+          <a:bodyPr>
+            <a:normAutofit/>
+          </a:bodyPr>
+          <a:lstStyle/>
+          <a:p>
+            <a:r>
+              <a:rPr lang="en-US" dirty="0" smtClean="0">
+                <a:latin typeface="+mj-lt"/>
+              </a:rPr>
+              <a:t>The goal of this project was to investigate simple numerical methods and their accuracy as applied to a seismic ray tracing problem. In order to do this, a velocity model for which there exists an analytical solution i.e. in a velocity field with a constant gradient of slowness squared, was compared to rays plotted using Euler’s method. I used two different orders of accuracy for the Euler’s method implementation, to show how increasing accuracy can be achieved by manipulations of Euler’s original formula. Further research was made into how these methods could be applied to more complex velocity models. </a:t>
+            </a:r>
+            <a:endParaRPr lang="en-US" dirty="0">
+              <a:latin typeface="+mj-lt"/>
+            </a:endParaRPr>
+          </a:p>
+        </p:txBody>
+      </p:sp>
       <p:sp>
         <p:nvSpPr>
           <p:cNvPr id="7" name="Text Placeholder 6"/>
@@ -5425,7 +4197,6 @@
               <a:rPr lang="en-US" b="1" dirty="0" smtClean="0"/>
               <a:t>Seismic Ray Tracing and the Need for Numerical Solutions</a:t>
             </a:r>
-            <a:endParaRPr lang="en-US" b="1" dirty="0" smtClean="0"/>
           </a:p>
           <a:p>
             <a:pPr lvl="1"/>
@@ -5445,11 +4216,7 @@
             <a:pPr lvl="1"/>
             <a:r>
               <a:rPr lang="en-US" dirty="0" smtClean="0"/>
-              <a:t>Background </a:t>
-            </a:r>
-            <a:r>
-              <a:rPr lang="en-US" dirty="0" smtClean="0"/>
-              <a:t>item</a:t>
+              <a:t>Background item</a:t>
             </a:r>
           </a:p>
           <a:p>
@@ -5557,581 +4324,85 @@
           <a:lstStyle/>
           <a:p>
             <a:r>
-              <a:rPr lang="en-US" dirty="0" smtClean="0"/>
+              <a:rPr lang="en-US" dirty="0" smtClean="0">
+                <a:latin typeface="+mj-lt"/>
+              </a:rPr>
               <a:t>Generate velocity model with constant gradient of the slowness squared</a:t>
             </a:r>
-            <a:endParaRPr lang="en-US" dirty="0" smtClean="0"/>
-          </a:p>
-        </p:txBody>
-      </p:sp>
-      <p:graphicFrame>
-        <p:nvGraphicFramePr>
-          <p:cNvPr id="25" name="Content Placeholder 24" descr="Sample table with 4 columns, 7 rows." title="Sample table"/>
-          <p:cNvGraphicFramePr>
-            <a:graphicFrameLocks noGrp="1"/>
-          </p:cNvGraphicFramePr>
-          <p:nvPr>
-            <p:ph sz="quarter" idx="23"/>
-            <p:extLst>
-              <p:ext uri="{D42A27DB-BD31-4B8C-83A1-F6EECF244321}">
-                <p14:modId xmlns:p14="http://schemas.microsoft.com/office/powerpoint/2010/main" val="2517281170"/>
-              </p:ext>
-            </p:extLst>
-          </p:nvPr>
-        </p:nvGraphicFramePr>
-        <p:xfrm>
-          <a:off x="15544800" y="11947525"/>
-          <a:ext cx="12801600" cy="6035617"/>
-        </p:xfrm>
-        <a:graphic>
-          <a:graphicData uri="http://schemas.openxmlformats.org/drawingml/2006/table">
-            <a:tbl>
-              <a:tblPr firstRow="1" bandRow="1">
-                <a:tableStyleId>{3B4B98B0-60AC-42C2-AFA5-B58CD77FA1E5}</a:tableStyleId>
-              </a:tblPr>
-              <a:tblGrid>
-                <a:gridCol w="3200400"/>
-                <a:gridCol w="3200400"/>
-                <a:gridCol w="3200400"/>
-                <a:gridCol w="3200400"/>
-              </a:tblGrid>
-              <a:tr h="862231">
-                <a:tc>
-                  <a:txBody>
-                    <a:bodyPr/>
-                    <a:lstStyle/>
-                    <a:p>
-                      <a:endParaRPr lang="en-US" sz="2800" dirty="0"/>
-                    </a:p>
-                  </a:txBody>
-                  <a:tcPr anchor="ctr"/>
-                </a:tc>
-                <a:tc>
-                  <a:txBody>
-                    <a:bodyPr/>
-                    <a:lstStyle/>
-                    <a:p>
-                      <a:pPr algn="ctr"/>
-                      <a:r>
-                        <a:rPr lang="en-US" sz="2800" dirty="0" smtClean="0"/>
-                        <a:t>Heading</a:t>
-                      </a:r>
-                      <a:endParaRPr lang="en-US" sz="2800" dirty="0"/>
-                    </a:p>
-                  </a:txBody>
-                  <a:tcPr anchor="ctr"/>
-                </a:tc>
-                <a:tc>
-                  <a:txBody>
-                    <a:bodyPr/>
-                    <a:lstStyle/>
-                    <a:p>
-                      <a:pPr algn="ctr"/>
-                      <a:r>
-                        <a:rPr lang="en-US" sz="2800" dirty="0" smtClean="0"/>
-                        <a:t>Heading</a:t>
-                      </a:r>
-                      <a:endParaRPr lang="en-US" sz="2800" dirty="0"/>
-                    </a:p>
-                  </a:txBody>
-                  <a:tcPr anchor="ctr"/>
-                </a:tc>
-                <a:tc>
-                  <a:txBody>
-                    <a:bodyPr/>
-                    <a:lstStyle/>
-                    <a:p>
-                      <a:pPr algn="ctr"/>
-                      <a:r>
-                        <a:rPr lang="en-US" sz="2800" dirty="0" smtClean="0"/>
-                        <a:t>Heading</a:t>
-                      </a:r>
-                      <a:endParaRPr lang="en-US" sz="2800" dirty="0"/>
-                    </a:p>
-                  </a:txBody>
-                  <a:tcPr anchor="ctr"/>
-                </a:tc>
-              </a:tr>
-              <a:tr h="862231">
-                <a:tc>
-                  <a:txBody>
-                    <a:bodyPr/>
-                    <a:lstStyle/>
-                    <a:p>
-                      <a:r>
-                        <a:rPr lang="en-US" sz="2800" dirty="0" smtClean="0"/>
-                        <a:t>Item</a:t>
-                      </a:r>
-                      <a:endParaRPr lang="en-US" sz="2800" dirty="0"/>
-                    </a:p>
-                  </a:txBody>
-                  <a:tcPr anchor="ctr"/>
-                </a:tc>
-                <a:tc>
-                  <a:txBody>
-                    <a:bodyPr/>
-                    <a:lstStyle/>
-                    <a:p>
-                      <a:pPr algn="ctr"/>
-                      <a:r>
-                        <a:rPr lang="en-US" sz="2800" dirty="0" smtClean="0"/>
-                        <a:t>122</a:t>
-                      </a:r>
-                      <a:endParaRPr lang="en-US" sz="2800" dirty="0"/>
-                    </a:p>
-                  </a:txBody>
-                  <a:tcPr anchor="ctr"/>
-                </a:tc>
-                <a:tc>
-                  <a:txBody>
-                    <a:bodyPr/>
-                    <a:lstStyle/>
-                    <a:p>
-                      <a:pPr algn="ctr"/>
-                      <a:r>
-                        <a:rPr lang="en-US" sz="2800" dirty="0" smtClean="0"/>
-                        <a:t>233</a:t>
-                      </a:r>
-                      <a:endParaRPr lang="en-US" sz="2800" dirty="0"/>
-                    </a:p>
-                  </a:txBody>
-                  <a:tcPr anchor="ctr"/>
-                </a:tc>
-                <a:tc>
-                  <a:txBody>
-                    <a:bodyPr/>
-                    <a:lstStyle/>
-                    <a:p>
-                      <a:pPr algn="ctr"/>
-                      <a:r>
-                        <a:rPr lang="en-US" sz="2800" dirty="0" smtClean="0"/>
-                        <a:t>345</a:t>
-                      </a:r>
-                      <a:endParaRPr lang="en-US" sz="2800" dirty="0"/>
-                    </a:p>
-                  </a:txBody>
-                  <a:tcPr anchor="ctr"/>
-                </a:tc>
-              </a:tr>
-              <a:tr h="862231">
-                <a:tc>
-                  <a:txBody>
-                    <a:bodyPr/>
-                    <a:lstStyle/>
-                    <a:p>
-                      <a:r>
-                        <a:rPr lang="en-US" sz="2800" dirty="0" smtClean="0"/>
-                        <a:t>Item</a:t>
-                      </a:r>
-                      <a:endParaRPr lang="en-US" sz="2800" dirty="0"/>
-                    </a:p>
-                  </a:txBody>
-                  <a:tcPr anchor="ctr"/>
-                </a:tc>
-                <a:tc>
-                  <a:txBody>
-                    <a:bodyPr/>
-                    <a:lstStyle/>
-                    <a:p>
-                      <a:pPr algn="ctr"/>
-                      <a:r>
-                        <a:rPr lang="en-US" sz="2800" dirty="0" smtClean="0"/>
-                        <a:t>759</a:t>
-                      </a:r>
-                      <a:endParaRPr lang="en-US" sz="2800" dirty="0"/>
-                    </a:p>
-                  </a:txBody>
-                  <a:tcPr anchor="ctr"/>
-                </a:tc>
-                <a:tc>
-                  <a:txBody>
-                    <a:bodyPr/>
-                    <a:lstStyle/>
-                    <a:p>
-                      <a:pPr algn="ctr"/>
-                      <a:r>
-                        <a:rPr lang="en-US" sz="2800" dirty="0" smtClean="0"/>
-                        <a:t>856</a:t>
-                      </a:r>
-                      <a:endParaRPr lang="en-US" sz="2800" dirty="0"/>
-                    </a:p>
-                  </a:txBody>
-                  <a:tcPr anchor="ctr"/>
-                </a:tc>
-                <a:tc>
-                  <a:txBody>
-                    <a:bodyPr/>
-                    <a:lstStyle/>
-                    <a:p>
-                      <a:pPr algn="ctr"/>
-                      <a:r>
-                        <a:rPr lang="en-US" sz="2800" dirty="0" smtClean="0"/>
-                        <a:t>290</a:t>
-                      </a:r>
-                      <a:endParaRPr lang="en-US" sz="2800" dirty="0"/>
-                    </a:p>
-                  </a:txBody>
-                  <a:tcPr anchor="ctr"/>
-                </a:tc>
-              </a:tr>
-              <a:tr h="862231">
-                <a:tc>
-                  <a:txBody>
-                    <a:bodyPr/>
-                    <a:lstStyle/>
-                    <a:p>
-                      <a:r>
-                        <a:rPr lang="en-US" sz="2800" dirty="0" smtClean="0"/>
-                        <a:t>Item</a:t>
-                      </a:r>
-                      <a:endParaRPr lang="en-US" sz="2800" dirty="0"/>
-                    </a:p>
-                  </a:txBody>
-                  <a:tcPr anchor="ctr"/>
-                </a:tc>
-                <a:tc>
-                  <a:txBody>
-                    <a:bodyPr/>
-                    <a:lstStyle/>
-                    <a:p>
-                      <a:pPr algn="ctr"/>
-                      <a:r>
-                        <a:rPr lang="en-US" sz="2800" dirty="0" smtClean="0"/>
-                        <a:t>228</a:t>
-                      </a:r>
-                      <a:endParaRPr lang="en-US" sz="2800" dirty="0"/>
-                    </a:p>
-                  </a:txBody>
-                  <a:tcPr anchor="ctr"/>
-                </a:tc>
-                <a:tc>
-                  <a:txBody>
-                    <a:bodyPr/>
-                    <a:lstStyle/>
-                    <a:p>
-                      <a:pPr algn="ctr"/>
-                      <a:r>
-                        <a:rPr lang="en-US" sz="2800" dirty="0" smtClean="0"/>
-                        <a:t>134</a:t>
-                      </a:r>
-                      <a:endParaRPr lang="en-US" sz="2800" dirty="0"/>
-                    </a:p>
-                  </a:txBody>
-                  <a:tcPr anchor="ctr"/>
-                </a:tc>
-                <a:tc>
-                  <a:txBody>
-                    <a:bodyPr/>
-                    <a:lstStyle/>
-                    <a:p>
-                      <a:pPr algn="ctr"/>
-                      <a:r>
-                        <a:rPr lang="en-US" sz="2800" dirty="0" smtClean="0"/>
-                        <a:t>238</a:t>
-                      </a:r>
-                      <a:endParaRPr lang="en-US" sz="2800" dirty="0"/>
-                    </a:p>
-                  </a:txBody>
-                  <a:tcPr anchor="ctr"/>
-                </a:tc>
-              </a:tr>
-              <a:tr h="862231">
-                <a:tc>
-                  <a:txBody>
-                    <a:bodyPr/>
-                    <a:lstStyle/>
-                    <a:p>
-                      <a:r>
-                        <a:rPr lang="en-US" sz="2800" dirty="0" smtClean="0"/>
-                        <a:t>Item</a:t>
-                      </a:r>
-                      <a:endParaRPr lang="en-US" sz="2800" dirty="0"/>
-                    </a:p>
-                  </a:txBody>
-                  <a:tcPr anchor="ctr"/>
-                </a:tc>
-                <a:tc>
-                  <a:txBody>
-                    <a:bodyPr/>
-                    <a:lstStyle/>
-                    <a:p>
-                      <a:pPr algn="ctr"/>
-                      <a:r>
-                        <a:rPr lang="en-US" sz="2800" dirty="0" smtClean="0"/>
-                        <a:t>954</a:t>
-                      </a:r>
-                      <a:endParaRPr lang="en-US" sz="2800" dirty="0"/>
-                    </a:p>
-                  </a:txBody>
-                  <a:tcPr anchor="ctr"/>
-                </a:tc>
-                <a:tc>
-                  <a:txBody>
-                    <a:bodyPr/>
-                    <a:lstStyle/>
-                    <a:p>
-                      <a:pPr algn="ctr"/>
-                      <a:r>
-                        <a:rPr lang="en-US" sz="2800" dirty="0" smtClean="0"/>
-                        <a:t>875</a:t>
-                      </a:r>
-                      <a:endParaRPr lang="en-US" sz="2800" dirty="0"/>
-                    </a:p>
-                  </a:txBody>
-                  <a:tcPr anchor="ctr"/>
-                </a:tc>
-                <a:tc>
-                  <a:txBody>
-                    <a:bodyPr/>
-                    <a:lstStyle/>
-                    <a:p>
-                      <a:pPr algn="ctr"/>
-                      <a:r>
-                        <a:rPr lang="en-US" sz="2800" dirty="0" smtClean="0"/>
-                        <a:t>976</a:t>
-                      </a:r>
-                      <a:endParaRPr lang="en-US" sz="2800" dirty="0"/>
-                    </a:p>
-                  </a:txBody>
-                  <a:tcPr anchor="ctr"/>
-                </a:tc>
-              </a:tr>
-              <a:tr h="862231">
-                <a:tc>
-                  <a:txBody>
-                    <a:bodyPr/>
-                    <a:lstStyle/>
-                    <a:p>
-                      <a:r>
-                        <a:rPr lang="en-US" sz="2800" dirty="0" smtClean="0"/>
-                        <a:t>Item</a:t>
-                      </a:r>
-                      <a:endParaRPr lang="en-US" sz="2800" dirty="0"/>
-                    </a:p>
-                  </a:txBody>
-                  <a:tcPr anchor="ctr"/>
-                </a:tc>
-                <a:tc>
-                  <a:txBody>
-                    <a:bodyPr/>
-                    <a:lstStyle/>
-                    <a:p>
-                      <a:pPr algn="ctr"/>
-                      <a:r>
-                        <a:rPr lang="en-US" sz="2800" dirty="0" smtClean="0"/>
-                        <a:t>324</a:t>
-                      </a:r>
-                      <a:endParaRPr lang="en-US" sz="2800" dirty="0"/>
-                    </a:p>
-                  </a:txBody>
-                  <a:tcPr anchor="ctr"/>
-                </a:tc>
-                <a:tc>
-                  <a:txBody>
-                    <a:bodyPr/>
-                    <a:lstStyle/>
-                    <a:p>
-                      <a:pPr algn="ctr"/>
-                      <a:r>
-                        <a:rPr lang="en-US" sz="2800" dirty="0" smtClean="0"/>
-                        <a:t>325</a:t>
-                      </a:r>
-                      <a:endParaRPr lang="en-US" sz="2800" dirty="0"/>
-                    </a:p>
-                  </a:txBody>
-                  <a:tcPr anchor="ctr"/>
-                </a:tc>
-                <a:tc>
-                  <a:txBody>
-                    <a:bodyPr/>
-                    <a:lstStyle/>
-                    <a:p>
-                      <a:pPr algn="ctr"/>
-                      <a:r>
-                        <a:rPr lang="en-US" sz="2800" dirty="0" smtClean="0"/>
-                        <a:t>301</a:t>
-                      </a:r>
-                      <a:endParaRPr lang="en-US" sz="2800" dirty="0"/>
-                    </a:p>
-                  </a:txBody>
-                  <a:tcPr anchor="ctr"/>
-                </a:tc>
-              </a:tr>
-              <a:tr h="862231">
-                <a:tc>
-                  <a:txBody>
-                    <a:bodyPr/>
-                    <a:lstStyle/>
-                    <a:p>
-                      <a:r>
-                        <a:rPr lang="en-US" sz="2800" dirty="0" smtClean="0"/>
-                        <a:t>Item</a:t>
-                      </a:r>
-                      <a:endParaRPr lang="en-US" sz="2800" dirty="0"/>
-                    </a:p>
-                  </a:txBody>
-                  <a:tcPr anchor="ctr"/>
-                </a:tc>
-                <a:tc>
-                  <a:txBody>
-                    <a:bodyPr/>
-                    <a:lstStyle/>
-                    <a:p>
-                      <a:pPr algn="ctr"/>
-                      <a:r>
-                        <a:rPr lang="en-US" sz="2800" dirty="0" smtClean="0"/>
-                        <a:t>199</a:t>
-                      </a:r>
-                      <a:endParaRPr lang="en-US" sz="2800" dirty="0"/>
-                    </a:p>
-                  </a:txBody>
-                  <a:tcPr anchor="ctr"/>
-                </a:tc>
-                <a:tc>
-                  <a:txBody>
-                    <a:bodyPr/>
-                    <a:lstStyle/>
-                    <a:p>
-                      <a:pPr algn="ctr"/>
-                      <a:r>
-                        <a:rPr lang="en-US" sz="2800" dirty="0" smtClean="0"/>
-                        <a:t>137</a:t>
-                      </a:r>
-                      <a:endParaRPr lang="en-US" sz="2800" dirty="0"/>
-                    </a:p>
-                  </a:txBody>
-                  <a:tcPr anchor="ctr"/>
-                </a:tc>
-                <a:tc>
-                  <a:txBody>
-                    <a:bodyPr/>
-                    <a:lstStyle/>
-                    <a:p>
-                      <a:pPr algn="ctr"/>
-                      <a:r>
-                        <a:rPr lang="en-US" sz="2800" dirty="0" smtClean="0"/>
-                        <a:t>186</a:t>
-                      </a:r>
-                      <a:endParaRPr lang="en-US" sz="2800" dirty="0"/>
-                    </a:p>
-                  </a:txBody>
-                  <a:tcPr anchor="ctr"/>
-                </a:tc>
-              </a:tr>
-            </a:tbl>
-          </a:graphicData>
-        </a:graphic>
-      </p:graphicFrame>
-      <p:pic>
-        <p:nvPicPr>
-          <p:cNvPr id="27" name="Picture 26" descr="Xray of spine" title="Sample Picture"/>
-          <p:cNvPicPr>
-            <a:picLocks noChangeAspect="1"/>
-          </p:cNvPicPr>
-          <p:nvPr/>
-        </p:nvPicPr>
-        <p:blipFill>
-          <a:blip r:embed="rId4" cstate="print">
-            <a:extLst>
-              <a:ext uri="{28A0092B-C50C-407E-A947-70E740481C1C}">
-                <a14:useLocalDpi xmlns:a14="http://schemas.microsoft.com/office/drawing/2010/main" val="0"/>
-              </a:ext>
-            </a:extLst>
-          </a:blip>
-          <a:stretch>
-            <a:fillRect/>
-          </a:stretch>
-        </p:blipFill>
-        <p:spPr>
-          <a:xfrm>
-            <a:off x="15544800" y="18897600"/>
-            <a:ext cx="2834641" cy="3968496"/>
-          </a:xfrm>
-          <a:prstGeom prst="rect">
-            <a:avLst/>
-          </a:prstGeom>
-        </p:spPr>
-      </p:pic>
-      <p:pic>
-        <p:nvPicPr>
-          <p:cNvPr id="29" name="Picture 28" descr="Xray of hand" title="Sample Picture"/>
-          <p:cNvPicPr>
-            <a:picLocks noChangeAspect="1"/>
-          </p:cNvPicPr>
-          <p:nvPr/>
-        </p:nvPicPr>
-        <p:blipFill>
-          <a:blip r:embed="rId5">
-            <a:extLst>
-              <a:ext uri="{28A0092B-C50C-407E-A947-70E740481C1C}">
-                <a14:useLocalDpi xmlns:a14="http://schemas.microsoft.com/office/drawing/2010/main" val="0"/>
-              </a:ext>
-            </a:extLst>
-          </a:blip>
-          <a:stretch>
-            <a:fillRect/>
-          </a:stretch>
-        </p:blipFill>
-        <p:spPr>
-          <a:xfrm>
-            <a:off x="18784949" y="18897600"/>
-            <a:ext cx="3604717" cy="3968496"/>
-          </a:xfrm>
-          <a:prstGeom prst="rect">
-            <a:avLst/>
-          </a:prstGeom>
-        </p:spPr>
-      </p:pic>
-      <p:pic>
-        <p:nvPicPr>
-          <p:cNvPr id="28" name="Picture 27" descr="Xray of head" title="Sample Picture"/>
-          <p:cNvPicPr>
-            <a:picLocks noChangeAspect="1"/>
-          </p:cNvPicPr>
-          <p:nvPr/>
-        </p:nvPicPr>
-        <p:blipFill>
-          <a:blip r:embed="rId6">
-            <a:extLst>
-              <a:ext uri="{28A0092B-C50C-407E-A947-70E740481C1C}">
-                <a14:useLocalDpi xmlns:a14="http://schemas.microsoft.com/office/drawing/2010/main" val="0"/>
-              </a:ext>
-            </a:extLst>
-          </a:blip>
-          <a:stretch>
-            <a:fillRect/>
-          </a:stretch>
-        </p:blipFill>
-        <p:spPr>
-          <a:xfrm>
-            <a:off x="22795174" y="18897600"/>
-            <a:ext cx="5555894" cy="3968496"/>
-          </a:xfrm>
-          <a:prstGeom prst="rect">
-            <a:avLst/>
-          </a:prstGeom>
-        </p:spPr>
-      </p:pic>
-      <p:sp>
-        <p:nvSpPr>
-          <p:cNvPr id="15" name="Content Placeholder 14"/>
-          <p:cNvSpPr>
-            <a:spLocks noGrp="1"/>
-          </p:cNvSpPr>
-          <p:nvPr>
-            <p:ph sz="quarter" idx="28"/>
-          </p:nvPr>
-        </p:nvSpPr>
-        <p:spPr/>
-        <p:txBody>
-          <a:bodyPr/>
-          <a:lstStyle/>
-          <a:p>
-            <a:r>
-              <a:rPr lang="en-US" smtClean="0"/>
-              <a:t>Type a caption for the data content or pictures here.</a:t>
-            </a:r>
-            <a:endParaRPr lang="en-US" dirty="0"/>
+          </a:p>
+          <a:p>
+            <a:r>
+              <a:rPr lang="en-US" dirty="0" smtClean="0">
+                <a:latin typeface="+mj-lt"/>
+              </a:rPr>
+              <a:t>The constant gradient corresponds to the </a:t>
+            </a:r>
+            <a:r>
+              <a:rPr lang="en-US" b="1" dirty="0" smtClean="0">
+                <a:latin typeface="+mj-lt"/>
+              </a:rPr>
+              <a:t>g</a:t>
+            </a:r>
+            <a:r>
+              <a:rPr lang="en-US" b="1" baseline="-25000" dirty="0" smtClean="0">
+                <a:latin typeface="+mj-lt"/>
+              </a:rPr>
+              <a:t>0</a:t>
+            </a:r>
+            <a:r>
+              <a:rPr lang="en-US" dirty="0" smtClean="0">
+                <a:latin typeface="+mj-lt"/>
+              </a:rPr>
+              <a:t> vector in our case having the form 0</a:t>
+            </a:r>
+            <a:r>
+              <a:rPr lang="en-US" b="1" dirty="0" smtClean="0">
+                <a:latin typeface="+mj-lt"/>
+              </a:rPr>
+              <a:t>i</a:t>
+            </a:r>
+            <a:r>
+              <a:rPr lang="en-US" dirty="0" smtClean="0">
+                <a:latin typeface="+mj-lt"/>
+              </a:rPr>
+              <a:t> + g</a:t>
+            </a:r>
+            <a:r>
+              <a:rPr lang="en-US" baseline="-25000" dirty="0" smtClean="0">
+                <a:latin typeface="+mj-lt"/>
+              </a:rPr>
+              <a:t>0</a:t>
+            </a:r>
+            <a:r>
+              <a:rPr lang="en-US" b="1" dirty="0" smtClean="0">
+                <a:latin typeface="+mj-lt"/>
+              </a:rPr>
+              <a:t> j</a:t>
+            </a:r>
+          </a:p>
+          <a:p>
+            <a:r>
+              <a:rPr lang="en-US" dirty="0" smtClean="0">
+                <a:latin typeface="+mj-lt"/>
+              </a:rPr>
+              <a:t>Use Euler’s Method to generate analytical solution</a:t>
+            </a:r>
+          </a:p>
+          <a:p>
+            <a:r>
+              <a:rPr lang="en-US" dirty="0" smtClean="0">
+                <a:latin typeface="+mj-lt"/>
+              </a:rPr>
+              <a:t>Use known analytical solution to compare </a:t>
+            </a:r>
+          </a:p>
+          <a:p>
+            <a:r>
+              <a:rPr lang="en-US" dirty="0" smtClean="0">
+                <a:latin typeface="+mj-lt"/>
+              </a:rPr>
+              <a:t>Plot the error between numerical and analytical solutions</a:t>
+            </a:r>
           </a:p>
         </p:txBody>
       </p:sp>
@@ -6283,7 +4554,7 @@
           <p:nvPr/>
         </p:nvPicPr>
         <p:blipFill rotWithShape="1">
-          <a:blip r:embed="rId7">
+          <a:blip r:embed="rId3">
             <a:extLst>
               <a:ext uri="{28A0092B-C50C-407E-A947-70E740481C1C}">
                 <a14:useLocalDpi xmlns:a14="http://schemas.microsoft.com/office/drawing/2010/main" val="0"/>
@@ -6311,64 +4582,6 @@
               </a14:hiddenFill>
             </a:ext>
           </a:extLst>
-        </p:spPr>
-      </p:pic>
-      <p:pic>
-        <p:nvPicPr>
-          <p:cNvPr id="30" name="Content Placeholder 29"/>
-          <p:cNvPicPr>
-            <a:picLocks noGrp="1" noChangeAspect="1"/>
-          </p:cNvPicPr>
-          <p:nvPr>
-            <p:ph sz="quarter" idx="32"/>
-          </p:nvPr>
-        </p:nvPicPr>
-        <p:blipFill>
-          <a:blip r:embed="rId8">
-            <a:extLst>
-              <a:ext uri="{28A0092B-C50C-407E-A947-70E740481C1C}">
-                <a14:useLocalDpi xmlns:a14="http://schemas.microsoft.com/office/drawing/2010/main" val="0"/>
-              </a:ext>
-            </a:extLst>
-          </a:blip>
-          <a:stretch>
-            <a:fillRect/>
-          </a:stretch>
-        </p:blipFill>
-        <p:spPr>
-          <a:xfrm>
-            <a:off x="30406975" y="7729153"/>
-            <a:ext cx="10842625" cy="7513632"/>
-          </a:xfrm>
-        </p:spPr>
-      </p:pic>
-      <p:pic>
-        <p:nvPicPr>
-          <p:cNvPr id="31" name="Content Placeholder 30"/>
-          <p:cNvPicPr>
-            <a:picLocks noGrp="1" noChangeAspect="1"/>
-          </p:cNvPicPr>
-          <p:nvPr>
-            <p:ph sz="quarter" idx="33"/>
-          </p:nvPr>
-        </p:nvPicPr>
-        <p:blipFill>
-          <a:blip r:embed="rId9">
-            <a:extLst>
-              <a:ext uri="{28A0092B-C50C-407E-A947-70E740481C1C}">
-                <a14:useLocalDpi xmlns:a14="http://schemas.microsoft.com/office/drawing/2010/main" val="0"/>
-              </a:ext>
-            </a:extLst>
-          </a:blip>
-          <a:stretch>
-            <a:fillRect/>
-          </a:stretch>
-        </p:blipFill>
-        <p:spPr>
-          <a:xfrm>
-            <a:off x="31136404" y="16251936"/>
-            <a:ext cx="10330551" cy="7154863"/>
-          </a:xfrm>
         </p:spPr>
       </p:pic>
       <p:sp>
@@ -6397,10 +4610,2045 @@
               <a:rPr lang="en-US" sz="2800" b="1" dirty="0" smtClean="0"/>
               <a:t>   Orders of Accuracy</a:t>
             </a:r>
-            <a:endParaRPr lang="en-US" sz="2800" b="1" dirty="0" smtClean="0"/>
           </a:p>
         </p:txBody>
       </p:sp>
+      <p:pic>
+        <p:nvPicPr>
+          <p:cNvPr id="2" name="Picture 1"/>
+          <p:cNvPicPr>
+            <a:picLocks noChangeAspect="1"/>
+          </p:cNvPicPr>
+          <p:nvPr/>
+        </p:nvPicPr>
+        <p:blipFill>
+          <a:blip r:embed="rId4">
+            <a:extLst>
+              <a:ext uri="{28A0092B-C50C-407E-A947-70E740481C1C}">
+                <a14:useLocalDpi xmlns:a14="http://schemas.microsoft.com/office/drawing/2010/main" val="0"/>
+              </a:ext>
+            </a:extLst>
+          </a:blip>
+          <a:stretch>
+            <a:fillRect/>
+          </a:stretch>
+        </p:blipFill>
+        <p:spPr>
+          <a:xfrm>
+            <a:off x="29527501" y="7282886"/>
+            <a:ext cx="6699753" cy="5424616"/>
+          </a:xfrm>
+          <a:prstGeom prst="rect">
+            <a:avLst/>
+          </a:prstGeom>
+        </p:spPr>
+      </p:pic>
+      <p:pic>
+        <p:nvPicPr>
+          <p:cNvPr id="20" name="Picture 19"/>
+          <p:cNvPicPr>
+            <a:picLocks noChangeAspect="1"/>
+          </p:cNvPicPr>
+          <p:nvPr/>
+        </p:nvPicPr>
+        <p:blipFill>
+          <a:blip r:embed="rId5">
+            <a:extLst>
+              <a:ext uri="{28A0092B-C50C-407E-A947-70E740481C1C}">
+                <a14:useLocalDpi xmlns:a14="http://schemas.microsoft.com/office/drawing/2010/main" val="0"/>
+              </a:ext>
+            </a:extLst>
+          </a:blip>
+          <a:stretch>
+            <a:fillRect/>
+          </a:stretch>
+        </p:blipFill>
+        <p:spPr>
+          <a:xfrm>
+            <a:off x="36222338" y="7282886"/>
+            <a:ext cx="6684888" cy="5425314"/>
+          </a:xfrm>
+          <a:prstGeom prst="rect">
+            <a:avLst/>
+          </a:prstGeom>
+        </p:spPr>
+      </p:pic>
+      <mc:AlternateContent xmlns:mc="http://schemas.openxmlformats.org/markup-compatibility/2006">
+        <mc:Choice xmlns:a14="http://schemas.microsoft.com/office/drawing/2010/main" Requires="a14">
+          <p:sp>
+            <p:nvSpPr>
+              <p:cNvPr id="39" name="Rectangle 38"/>
+              <p:cNvSpPr/>
+              <p:nvPr/>
+            </p:nvSpPr>
+            <p:spPr>
+              <a:xfrm>
+                <a:off x="16725901" y="11329193"/>
+                <a:ext cx="11125200" cy="2932791"/>
+              </a:xfrm>
+              <a:prstGeom prst="rect">
+                <a:avLst/>
+              </a:prstGeom>
+            </p:spPr>
+            <p:txBody>
+              <a:bodyPr wrap="square">
+                <a:spAutoFit/>
+              </a:bodyPr>
+              <a:lstStyle/>
+              <a:p>
+                <a:r>
+                  <a:rPr lang="en-US" sz="2800" dirty="0" smtClean="0">
+                    <a:latin typeface="+mj-lt"/>
+                  </a:rPr>
+                  <a:t>Analytic Solution </a:t>
+                </a:r>
+              </a:p>
+              <a:p>
+                <a14:m>
+                  <m:oMathPara xmlns:m="http://schemas.openxmlformats.org/officeDocument/2006/math">
+                    <m:oMathParaPr>
+                      <m:jc m:val="centerGroup"/>
+                    </m:oMathParaPr>
+                    <m:oMath xmlns:m="http://schemas.openxmlformats.org/officeDocument/2006/math">
+                      <m:r>
+                        <a:rPr lang="en-US" sz="2800" i="1">
+                          <a:latin typeface="Cambria Math" panose="02040503050406030204" pitchFamily="18" charset="0"/>
+                        </a:rPr>
+                        <m:t>𝑆</m:t>
+                      </m:r>
+                      <m:d>
+                        <m:dPr>
+                          <m:ctrlPr>
+                            <a:rPr lang="en-US" sz="2800" i="1">
+                              <a:latin typeface="Cambria Math" panose="02040503050406030204" pitchFamily="18" charset="0"/>
+                            </a:rPr>
+                          </m:ctrlPr>
+                        </m:dPr>
+                        <m:e>
+                          <m:r>
+                            <a:rPr lang="en-US" sz="2800" b="1" i="1">
+                              <a:latin typeface="Cambria Math" panose="02040503050406030204" pitchFamily="18" charset="0"/>
+                            </a:rPr>
+                            <m:t>𝐱</m:t>
+                          </m:r>
+                        </m:e>
+                      </m:d>
+                      <m:r>
+                        <a:rPr lang="en-US" sz="2800">
+                          <a:latin typeface="Cambria Math" panose="02040503050406030204" pitchFamily="18" charset="0"/>
+                        </a:rPr>
+                        <m:t>𝛻</m:t>
+                      </m:r>
+                      <m:r>
+                        <a:rPr lang="en-US" sz="2800" i="1">
+                          <a:latin typeface="Cambria Math" panose="02040503050406030204" pitchFamily="18" charset="0"/>
+                        </a:rPr>
+                        <m:t>𝑆</m:t>
+                      </m:r>
+                      <m:r>
+                        <a:rPr lang="en-US" sz="2800" b="1" i="1">
+                          <a:latin typeface="Cambria Math" panose="02040503050406030204" pitchFamily="18" charset="0"/>
+                        </a:rPr>
+                        <m:t>=</m:t>
+                      </m:r>
+                      <m:sSub>
+                        <m:sSubPr>
+                          <m:ctrlPr>
+                            <a:rPr lang="en-US" sz="2800" i="1">
+                              <a:latin typeface="Cambria Math" panose="02040503050406030204" pitchFamily="18" charset="0"/>
+                            </a:rPr>
+                          </m:ctrlPr>
+                        </m:sSubPr>
+                        <m:e>
+                          <m:r>
+                            <a:rPr lang="en-US" sz="2800" b="1" i="1">
+                              <a:latin typeface="Cambria Math" panose="02040503050406030204" pitchFamily="18" charset="0"/>
+                            </a:rPr>
+                            <m:t>𝐠</m:t>
+                          </m:r>
+                        </m:e>
+                        <m:sub>
+                          <m:r>
+                            <a:rPr lang="en-US" sz="2800">
+                              <a:latin typeface="Cambria Math" panose="02040503050406030204" pitchFamily="18" charset="0"/>
+                            </a:rPr>
+                            <m:t>0</m:t>
+                          </m:r>
+                        </m:sub>
+                      </m:sSub>
+                      <m:r>
+                        <a:rPr lang="en-US" sz="2800" b="1" i="1" smtClean="0">
+                          <a:latin typeface="Cambria Math" panose="02040503050406030204" pitchFamily="18" charset="0"/>
+                        </a:rPr>
+                        <m:t> </m:t>
+                      </m:r>
+                      <m:d>
+                        <m:dPr>
+                          <m:ctrlPr>
+                            <a:rPr lang="en-US" sz="2800" b="1" i="1" smtClean="0">
+                              <a:latin typeface="Cambria Math" panose="02040503050406030204" pitchFamily="18" charset="0"/>
+                            </a:rPr>
+                          </m:ctrlPr>
+                        </m:dPr>
+                        <m:e>
+                          <m:r>
+                            <a:rPr lang="en-US" sz="2800" b="0" i="1" smtClean="0">
+                              <a:latin typeface="Cambria Math" panose="02040503050406030204" pitchFamily="18" charset="0"/>
+                            </a:rPr>
+                            <m:t>1</m:t>
+                          </m:r>
+                        </m:e>
+                      </m:d>
+                      <m:r>
+                        <a:rPr lang="en-US" sz="2800" b="1" i="1" smtClean="0">
+                          <a:latin typeface="Cambria Math" panose="02040503050406030204" pitchFamily="18" charset="0"/>
+                        </a:rPr>
+                        <m:t>         </m:t>
+                      </m:r>
+                      <m:r>
+                        <a:rPr lang="en-US" sz="2800" b="1" i="1">
+                          <a:latin typeface="Cambria Math" panose="02040503050406030204" pitchFamily="18" charset="0"/>
+                        </a:rPr>
+                        <m:t>𝐩</m:t>
+                      </m:r>
+                      <m:d>
+                        <m:dPr>
+                          <m:ctrlPr>
+                            <a:rPr lang="en-US" sz="2800" i="1">
+                              <a:latin typeface="Cambria Math" panose="02040503050406030204" pitchFamily="18" charset="0"/>
+                            </a:rPr>
+                          </m:ctrlPr>
+                        </m:dPr>
+                        <m:e>
+                          <m:r>
+                            <a:rPr lang="en-US" sz="2800" i="1">
+                              <a:latin typeface="Cambria Math" panose="02040503050406030204" pitchFamily="18" charset="0"/>
+                            </a:rPr>
+                            <m:t>𝜎</m:t>
+                          </m:r>
+                        </m:e>
+                      </m:d>
+                      <m:r>
+                        <a:rPr lang="en-US" sz="2800" b="1" i="1">
+                          <a:latin typeface="Cambria Math" panose="02040503050406030204" pitchFamily="18" charset="0"/>
+                        </a:rPr>
+                        <m:t>=</m:t>
+                      </m:r>
+                      <m:sSub>
+                        <m:sSubPr>
+                          <m:ctrlPr>
+                            <a:rPr lang="en-US" sz="2800" i="1">
+                              <a:latin typeface="Cambria Math" panose="02040503050406030204" pitchFamily="18" charset="0"/>
+                            </a:rPr>
+                          </m:ctrlPr>
+                        </m:sSubPr>
+                        <m:e>
+                          <m:r>
+                            <a:rPr lang="en-US" sz="2800" b="1" i="1">
+                              <a:latin typeface="Cambria Math" panose="02040503050406030204" pitchFamily="18" charset="0"/>
+                            </a:rPr>
+                            <m:t>𝐩</m:t>
+                          </m:r>
+                        </m:e>
+                        <m:sub>
+                          <m:r>
+                            <a:rPr lang="en-US" sz="2800" i="1">
+                              <a:latin typeface="Cambria Math" panose="02040503050406030204" pitchFamily="18" charset="0"/>
+                            </a:rPr>
+                            <m:t>0</m:t>
+                          </m:r>
+                        </m:sub>
+                      </m:sSub>
+                      <m:r>
+                        <a:rPr lang="en-US" sz="2800" i="1">
+                          <a:latin typeface="Cambria Math" panose="02040503050406030204" pitchFamily="18" charset="0"/>
+                        </a:rPr>
+                        <m:t>+</m:t>
+                      </m:r>
+                      <m:sSub>
+                        <m:sSubPr>
+                          <m:ctrlPr>
+                            <a:rPr lang="en-US" sz="2800" b="1" i="1">
+                              <a:latin typeface="Cambria Math" panose="02040503050406030204" pitchFamily="18" charset="0"/>
+                            </a:rPr>
+                          </m:ctrlPr>
+                        </m:sSubPr>
+                        <m:e>
+                          <m:r>
+                            <a:rPr lang="en-US" sz="2800" b="1" i="1">
+                              <a:latin typeface="Cambria Math" panose="02040503050406030204" pitchFamily="18" charset="0"/>
+                            </a:rPr>
+                            <m:t>𝐠</m:t>
+                          </m:r>
+                        </m:e>
+                        <m:sub>
+                          <m:r>
+                            <a:rPr lang="en-US" sz="2800">
+                              <a:latin typeface="Cambria Math" panose="02040503050406030204" pitchFamily="18" charset="0"/>
+                            </a:rPr>
+                            <m:t>0</m:t>
+                          </m:r>
+                        </m:sub>
+                      </m:sSub>
+                      <m:r>
+                        <a:rPr lang="en-US" sz="2800" i="1">
+                          <a:latin typeface="Cambria Math" panose="02040503050406030204" pitchFamily="18" charset="0"/>
+                        </a:rPr>
+                        <m:t>𝜎</m:t>
+                      </m:r>
+                      <m:r>
+                        <a:rPr lang="en-US" sz="2800" b="0" i="1" smtClean="0">
+                          <a:latin typeface="Cambria Math" panose="02040503050406030204" pitchFamily="18" charset="0"/>
+                        </a:rPr>
+                        <m:t> (2)</m:t>
+                      </m:r>
+                    </m:oMath>
+                  </m:oMathPara>
+                </a14:m>
+                <a:endParaRPr lang="en-US" sz="2800" dirty="0"/>
+              </a:p>
+              <a:p>
+                <a:pPr/>
+                <a14:m>
+                  <m:oMathPara xmlns:m="http://schemas.openxmlformats.org/officeDocument/2006/math">
+                    <m:oMathParaPr>
+                      <m:jc m:val="centerGroup"/>
+                    </m:oMathParaPr>
+                    <m:oMath xmlns:m="http://schemas.openxmlformats.org/officeDocument/2006/math">
+                      <m:r>
+                        <a:rPr lang="en-US" sz="2800" b="1" i="1">
+                          <a:latin typeface="Cambria Math" panose="02040503050406030204" pitchFamily="18" charset="0"/>
+                        </a:rPr>
+                        <m:t>𝐱</m:t>
+                      </m:r>
+                      <m:d>
+                        <m:dPr>
+                          <m:ctrlPr>
+                            <a:rPr lang="en-US" sz="2800" i="1">
+                              <a:latin typeface="Cambria Math" panose="02040503050406030204" pitchFamily="18" charset="0"/>
+                            </a:rPr>
+                          </m:ctrlPr>
+                        </m:dPr>
+                        <m:e>
+                          <m:r>
+                            <a:rPr lang="en-US" sz="2800" i="1">
+                              <a:latin typeface="Cambria Math" panose="02040503050406030204" pitchFamily="18" charset="0"/>
+                            </a:rPr>
+                            <m:t>𝜎</m:t>
+                          </m:r>
+                        </m:e>
+                      </m:d>
+                      <m:r>
+                        <a:rPr lang="en-US" sz="2800" i="1">
+                          <a:latin typeface="Cambria Math" panose="02040503050406030204" pitchFamily="18" charset="0"/>
+                        </a:rPr>
+                        <m:t>=</m:t>
+                      </m:r>
+                      <m:sSub>
+                        <m:sSubPr>
+                          <m:ctrlPr>
+                            <a:rPr lang="en-US" sz="2800" i="1">
+                              <a:latin typeface="Cambria Math" panose="02040503050406030204" pitchFamily="18" charset="0"/>
+                            </a:rPr>
+                          </m:ctrlPr>
+                        </m:sSubPr>
+                        <m:e>
+                          <m:r>
+                            <a:rPr lang="en-US" sz="2800" b="1" i="1">
+                              <a:latin typeface="Cambria Math" panose="02040503050406030204" pitchFamily="18" charset="0"/>
+                            </a:rPr>
+                            <m:t>𝐱</m:t>
+                          </m:r>
+                        </m:e>
+                        <m:sub>
+                          <m:r>
+                            <a:rPr lang="en-US" sz="2800">
+                              <a:latin typeface="Cambria Math" panose="02040503050406030204" pitchFamily="18" charset="0"/>
+                            </a:rPr>
+                            <m:t>0</m:t>
+                          </m:r>
+                        </m:sub>
+                      </m:sSub>
+                      <m:r>
+                        <a:rPr lang="en-US" sz="2800" i="1">
+                          <a:latin typeface="Cambria Math" panose="02040503050406030204" pitchFamily="18" charset="0"/>
+                        </a:rPr>
+                        <m:t>+</m:t>
+                      </m:r>
+                      <m:sSub>
+                        <m:sSubPr>
+                          <m:ctrlPr>
+                            <a:rPr lang="en-US" sz="2800" i="1">
+                              <a:latin typeface="Cambria Math" panose="02040503050406030204" pitchFamily="18" charset="0"/>
+                            </a:rPr>
+                          </m:ctrlPr>
+                        </m:sSubPr>
+                        <m:e>
+                          <m:r>
+                            <a:rPr lang="en-US" sz="2800" b="1" i="1">
+                              <a:latin typeface="Cambria Math" panose="02040503050406030204" pitchFamily="18" charset="0"/>
+                            </a:rPr>
+                            <m:t>𝐩</m:t>
+                          </m:r>
+                        </m:e>
+                        <m:sub>
+                          <m:r>
+                            <a:rPr lang="en-US" sz="2800">
+                              <a:latin typeface="Cambria Math" panose="02040503050406030204" pitchFamily="18" charset="0"/>
+                            </a:rPr>
+                            <m:t>0</m:t>
+                          </m:r>
+                        </m:sub>
+                      </m:sSub>
+                      <m:r>
+                        <a:rPr lang="en-US" sz="2800" i="1">
+                          <a:latin typeface="Cambria Math" panose="02040503050406030204" pitchFamily="18" charset="0"/>
+                        </a:rPr>
+                        <m:t>𝜎</m:t>
+                      </m:r>
+                      <m:r>
+                        <a:rPr lang="en-US" sz="2800" i="1">
+                          <a:latin typeface="Cambria Math" panose="02040503050406030204" pitchFamily="18" charset="0"/>
+                        </a:rPr>
+                        <m:t>+</m:t>
+                      </m:r>
+                      <m:sSub>
+                        <m:sSubPr>
+                          <m:ctrlPr>
+                            <a:rPr lang="en-US" sz="2800" i="1">
+                              <a:latin typeface="Cambria Math" panose="02040503050406030204" pitchFamily="18" charset="0"/>
+                            </a:rPr>
+                          </m:ctrlPr>
+                        </m:sSubPr>
+                        <m:e>
+                          <m:r>
+                            <a:rPr lang="en-US" sz="2800" b="1" i="1">
+                              <a:latin typeface="Cambria Math" panose="02040503050406030204" pitchFamily="18" charset="0"/>
+                            </a:rPr>
+                            <m:t>𝐠</m:t>
+                          </m:r>
+                        </m:e>
+                        <m:sub>
+                          <m:r>
+                            <a:rPr lang="en-US" sz="2800">
+                              <a:latin typeface="Cambria Math" panose="02040503050406030204" pitchFamily="18" charset="0"/>
+                            </a:rPr>
+                            <m:t>0</m:t>
+                          </m:r>
+                        </m:sub>
+                      </m:sSub>
+                      <m:f>
+                        <m:fPr>
+                          <m:ctrlPr>
+                            <a:rPr lang="en-US" sz="2800" i="1">
+                              <a:latin typeface="Cambria Math" panose="02040503050406030204" pitchFamily="18" charset="0"/>
+                            </a:rPr>
+                          </m:ctrlPr>
+                        </m:fPr>
+                        <m:num>
+                          <m:sSup>
+                            <m:sSupPr>
+                              <m:ctrlPr>
+                                <a:rPr lang="en-US" sz="2800" i="1">
+                                  <a:latin typeface="Cambria Math" panose="02040503050406030204" pitchFamily="18" charset="0"/>
+                                </a:rPr>
+                              </m:ctrlPr>
+                            </m:sSupPr>
+                            <m:e>
+                              <m:r>
+                                <a:rPr lang="en-US" sz="2800" i="1">
+                                  <a:latin typeface="Cambria Math" panose="02040503050406030204" pitchFamily="18" charset="0"/>
+                                </a:rPr>
+                                <m:t>𝜎</m:t>
+                              </m:r>
+                            </m:e>
+                            <m:sup>
+                              <m:r>
+                                <a:rPr lang="en-US" sz="2800" i="1">
+                                  <a:latin typeface="Cambria Math" panose="02040503050406030204" pitchFamily="18" charset="0"/>
+                                </a:rPr>
+                                <m:t>2</m:t>
+                              </m:r>
+                            </m:sup>
+                          </m:sSup>
+                        </m:num>
+                        <m:den>
+                          <m:r>
+                            <a:rPr lang="en-US" sz="2800" i="1">
+                              <a:latin typeface="Cambria Math" panose="02040503050406030204" pitchFamily="18" charset="0"/>
+                            </a:rPr>
+                            <m:t>2</m:t>
+                          </m:r>
+                        </m:den>
+                      </m:f>
+                      <m:r>
+                        <a:rPr lang="en-US" sz="2800" b="0" i="1" smtClean="0">
+                          <a:latin typeface="Cambria Math" panose="02040503050406030204" pitchFamily="18" charset="0"/>
+                        </a:rPr>
+                        <m:t> </m:t>
+                      </m:r>
+                      <m:d>
+                        <m:dPr>
+                          <m:ctrlPr>
+                            <a:rPr lang="en-US" sz="2800" b="0" i="1" smtClean="0">
+                              <a:latin typeface="Cambria Math" panose="02040503050406030204" pitchFamily="18" charset="0"/>
+                            </a:rPr>
+                          </m:ctrlPr>
+                        </m:dPr>
+                        <m:e>
+                          <m:r>
+                            <a:rPr lang="en-US" sz="2800" b="0" i="1" smtClean="0">
+                              <a:latin typeface="Cambria Math" panose="02040503050406030204" pitchFamily="18" charset="0"/>
+                            </a:rPr>
+                            <m:t>3</m:t>
+                          </m:r>
+                        </m:e>
+                      </m:d>
+                    </m:oMath>
+                  </m:oMathPara>
+                </a14:m>
+                <a:endParaRPr lang="en-US" sz="2800" dirty="0"/>
+              </a:p>
+              <a:p>
+                <a:pPr/>
+                <a:endParaRPr lang="en-US" dirty="0"/>
+              </a:p>
+            </p:txBody>
+          </p:sp>
+        </mc:Choice>
+        <mc:Fallback>
+          <p:sp>
+            <p:nvSpPr>
+              <p:cNvPr id="39" name="Rectangle 38"/>
+              <p:cNvSpPr>
+                <a:spLocks noRot="1" noChangeAspect="1" noMove="1" noResize="1" noEditPoints="1" noAdjustHandles="1" noChangeArrowheads="1" noChangeShapeType="1" noTextEdit="1"/>
+              </p:cNvSpPr>
+              <p:nvPr/>
+            </p:nvSpPr>
+            <p:spPr>
+              <a:xfrm>
+                <a:off x="16725901" y="11329193"/>
+                <a:ext cx="11125200" cy="2932791"/>
+              </a:xfrm>
+              <a:prstGeom prst="rect">
+                <a:avLst/>
+              </a:prstGeom>
+              <a:blipFill rotWithShape="0">
+                <a:blip r:embed="rId6"/>
+                <a:stretch>
+                  <a:fillRect l="-1151" t="-2075"/>
+                </a:stretch>
+              </a:blipFill>
+            </p:spPr>
+            <p:txBody>
+              <a:bodyPr/>
+              <a:lstStyle/>
+              <a:p>
+                <a:r>
+                  <a:rPr lang="en-US">
+                    <a:noFill/>
+                  </a:rPr>
+                  <a:t> </a:t>
+                </a:r>
+              </a:p>
+            </p:txBody>
+          </p:sp>
+        </mc:Fallback>
+      </mc:AlternateContent>
+      <mc:AlternateContent xmlns:mc="http://schemas.openxmlformats.org/markup-compatibility/2006">
+        <mc:Choice xmlns:a14="http://schemas.microsoft.com/office/drawing/2010/main" Requires="a14">
+          <p:sp>
+            <p:nvSpPr>
+              <p:cNvPr id="3" name="Rectangle 2"/>
+              <p:cNvSpPr/>
+              <p:nvPr/>
+            </p:nvSpPr>
+            <p:spPr>
+              <a:xfrm>
+                <a:off x="16725901" y="13667738"/>
+                <a:ext cx="11125200" cy="1384995"/>
+              </a:xfrm>
+              <a:prstGeom prst="rect">
+                <a:avLst/>
+              </a:prstGeom>
+            </p:spPr>
+            <p:txBody>
+              <a:bodyPr wrap="square">
+                <a:spAutoFit/>
+              </a:bodyPr>
+              <a:lstStyle/>
+              <a:p>
+                <a:r>
+                  <a:rPr lang="en-US" sz="2800" dirty="0">
+                    <a:latin typeface="+mj-lt"/>
+                  </a:rPr>
+                  <a:t>Euler First order equation</a:t>
+                </a:r>
+              </a:p>
+              <a:p>
+                <a14:m>
+                  <m:oMathPara xmlns:m="http://schemas.openxmlformats.org/officeDocument/2006/math">
+                    <m:oMathParaPr>
+                      <m:jc m:val="centerGroup"/>
+                    </m:oMathParaPr>
+                    <m:oMath xmlns:m="http://schemas.openxmlformats.org/officeDocument/2006/math">
+                      <m:sSub>
+                        <m:sSubPr>
+                          <m:ctrlPr>
+                            <a:rPr lang="en-US" sz="2800" i="1">
+                              <a:latin typeface="Cambria Math" panose="02040503050406030204" pitchFamily="18" charset="0"/>
+                            </a:rPr>
+                          </m:ctrlPr>
+                        </m:sSubPr>
+                        <m:e>
+                          <m:r>
+                            <a:rPr lang="en-US" sz="2800" b="1" i="1">
+                              <a:latin typeface="Cambria Math" panose="02040503050406030204" pitchFamily="18" charset="0"/>
+                            </a:rPr>
+                            <m:t>𝐱</m:t>
+                          </m:r>
+                        </m:e>
+                        <m:sub>
+                          <m:r>
+                            <a:rPr lang="en-US" sz="2800" i="1">
+                              <a:latin typeface="Cambria Math" panose="02040503050406030204" pitchFamily="18" charset="0"/>
+                            </a:rPr>
+                            <m:t>𝑘</m:t>
+                          </m:r>
+                        </m:sub>
+                      </m:sSub>
+                      <m:r>
+                        <a:rPr lang="en-US" sz="2800" i="1">
+                          <a:latin typeface="Cambria Math" panose="02040503050406030204" pitchFamily="18" charset="0"/>
+                        </a:rPr>
+                        <m:t>=</m:t>
+                      </m:r>
+                      <m:sSub>
+                        <m:sSubPr>
+                          <m:ctrlPr>
+                            <a:rPr lang="en-US" sz="2800" i="1">
+                              <a:latin typeface="Cambria Math" panose="02040503050406030204" pitchFamily="18" charset="0"/>
+                            </a:rPr>
+                          </m:ctrlPr>
+                        </m:sSubPr>
+                        <m:e>
+                          <m:r>
+                            <a:rPr lang="en-US" sz="2800" b="1" i="1">
+                              <a:latin typeface="Cambria Math" panose="02040503050406030204" pitchFamily="18" charset="0"/>
+                            </a:rPr>
+                            <m:t>𝐱</m:t>
+                          </m:r>
+                        </m:e>
+                        <m:sub>
+                          <m:r>
+                            <a:rPr lang="en-US" sz="2800" i="1">
+                              <a:latin typeface="Cambria Math" panose="02040503050406030204" pitchFamily="18" charset="0"/>
+                            </a:rPr>
+                            <m:t>𝑘</m:t>
+                          </m:r>
+                          <m:r>
+                            <a:rPr lang="en-US" sz="2800" i="1">
+                              <a:latin typeface="Cambria Math" panose="02040503050406030204" pitchFamily="18" charset="0"/>
+                            </a:rPr>
+                            <m:t>−1</m:t>
+                          </m:r>
+                        </m:sub>
+                      </m:sSub>
+                      <m:r>
+                        <a:rPr lang="en-US" sz="2800" i="1">
+                          <a:latin typeface="Cambria Math" panose="02040503050406030204" pitchFamily="18" charset="0"/>
+                        </a:rPr>
+                        <m:t>+</m:t>
+                      </m:r>
+                      <m:sSub>
+                        <m:sSubPr>
+                          <m:ctrlPr>
+                            <a:rPr lang="en-US" sz="2800" i="1">
+                              <a:latin typeface="Cambria Math" panose="02040503050406030204" pitchFamily="18" charset="0"/>
+                            </a:rPr>
+                          </m:ctrlPr>
+                        </m:sSubPr>
+                        <m:e>
+                          <m:r>
+                            <a:rPr lang="en-US" sz="2800" b="1" i="1">
+                              <a:latin typeface="Cambria Math" panose="02040503050406030204" pitchFamily="18" charset="0"/>
+                            </a:rPr>
+                            <m:t>𝐩</m:t>
+                          </m:r>
+                        </m:e>
+                        <m:sub>
+                          <m:r>
+                            <a:rPr lang="en-US" sz="2800" i="1">
+                              <a:latin typeface="Cambria Math" panose="02040503050406030204" pitchFamily="18" charset="0"/>
+                            </a:rPr>
+                            <m:t>𝑘</m:t>
+                          </m:r>
+                          <m:r>
+                            <a:rPr lang="en-US" sz="2800" i="1">
+                              <a:latin typeface="Cambria Math" panose="02040503050406030204" pitchFamily="18" charset="0"/>
+                            </a:rPr>
+                            <m:t>−1</m:t>
+                          </m:r>
+                        </m:sub>
+                      </m:sSub>
+                      <m:r>
+                        <a:rPr lang="en-US" sz="2800" i="1">
+                          <a:latin typeface="Cambria Math" panose="02040503050406030204" pitchFamily="18" charset="0"/>
+                        </a:rPr>
+                        <m:t>∆</m:t>
+                      </m:r>
+                      <m:r>
+                        <a:rPr lang="en-US" sz="2800" i="1">
+                          <a:latin typeface="Cambria Math" panose="02040503050406030204" pitchFamily="18" charset="0"/>
+                        </a:rPr>
+                        <m:t>𝜎</m:t>
+                      </m:r>
+                    </m:oMath>
+                  </m:oMathPara>
+                </a14:m>
+                <a:endParaRPr lang="en-US" sz="2800" dirty="0"/>
+              </a:p>
+              <a:p>
+                <a14:m>
+                  <m:oMathPara xmlns:m="http://schemas.openxmlformats.org/officeDocument/2006/math">
+                    <m:oMathParaPr>
+                      <m:jc m:val="centerGroup"/>
+                    </m:oMathParaPr>
+                    <m:oMath xmlns:m="http://schemas.openxmlformats.org/officeDocument/2006/math">
+                      <m:sSub>
+                        <m:sSubPr>
+                          <m:ctrlPr>
+                            <a:rPr lang="en-US" sz="2800" i="1">
+                              <a:latin typeface="Cambria Math" panose="02040503050406030204" pitchFamily="18" charset="0"/>
+                            </a:rPr>
+                          </m:ctrlPr>
+                        </m:sSubPr>
+                        <m:e>
+                          <m:r>
+                            <a:rPr lang="en-US" sz="2800" b="1" i="1">
+                              <a:latin typeface="Cambria Math" panose="02040503050406030204" pitchFamily="18" charset="0"/>
+                            </a:rPr>
+                            <m:t>𝐩</m:t>
+                          </m:r>
+                        </m:e>
+                        <m:sub>
+                          <m:r>
+                            <a:rPr lang="en-US" sz="2800" i="1">
+                              <a:latin typeface="Cambria Math" panose="02040503050406030204" pitchFamily="18" charset="0"/>
+                            </a:rPr>
+                            <m:t>𝑘</m:t>
+                          </m:r>
+                        </m:sub>
+                      </m:sSub>
+                      <m:r>
+                        <a:rPr lang="en-US" sz="2800" i="1">
+                          <a:latin typeface="Cambria Math" panose="02040503050406030204" pitchFamily="18" charset="0"/>
+                        </a:rPr>
+                        <m:t>=</m:t>
+                      </m:r>
+                      <m:sSub>
+                        <m:sSubPr>
+                          <m:ctrlPr>
+                            <a:rPr lang="en-US" sz="2800" i="1">
+                              <a:latin typeface="Cambria Math" panose="02040503050406030204" pitchFamily="18" charset="0"/>
+                            </a:rPr>
+                          </m:ctrlPr>
+                        </m:sSubPr>
+                        <m:e>
+                          <m:r>
+                            <a:rPr lang="en-US" sz="2800" b="1" i="1">
+                              <a:latin typeface="Cambria Math" panose="02040503050406030204" pitchFamily="18" charset="0"/>
+                            </a:rPr>
+                            <m:t>𝐩</m:t>
+                          </m:r>
+                        </m:e>
+                        <m:sub>
+                          <m:r>
+                            <a:rPr lang="en-US" sz="2800" i="1">
+                              <a:latin typeface="Cambria Math" panose="02040503050406030204" pitchFamily="18" charset="0"/>
+                            </a:rPr>
+                            <m:t>𝑘</m:t>
+                          </m:r>
+                          <m:r>
+                            <a:rPr lang="en-US" sz="2800" i="1">
+                              <a:latin typeface="Cambria Math" panose="02040503050406030204" pitchFamily="18" charset="0"/>
+                            </a:rPr>
+                            <m:t>−1</m:t>
+                          </m:r>
+                        </m:sub>
+                      </m:sSub>
+                      <m:r>
+                        <a:rPr lang="en-US" sz="2800" i="1">
+                          <a:latin typeface="Cambria Math" panose="02040503050406030204" pitchFamily="18" charset="0"/>
+                        </a:rPr>
+                        <m:t>+ </m:t>
+                      </m:r>
+                      <m:r>
+                        <a:rPr lang="en-US" sz="2800" b="1" i="1">
+                          <a:latin typeface="Cambria Math" panose="02040503050406030204" pitchFamily="18" charset="0"/>
+                        </a:rPr>
+                        <m:t>𝐠</m:t>
+                      </m:r>
+                      <m:r>
+                        <a:rPr lang="en-US" sz="2800" i="1">
+                          <a:latin typeface="Cambria Math" panose="02040503050406030204" pitchFamily="18" charset="0"/>
+                        </a:rPr>
+                        <m:t>(</m:t>
+                      </m:r>
+                      <m:sSub>
+                        <m:sSubPr>
+                          <m:ctrlPr>
+                            <a:rPr lang="en-US" sz="2800" i="1">
+                              <a:latin typeface="Cambria Math" panose="02040503050406030204" pitchFamily="18" charset="0"/>
+                            </a:rPr>
+                          </m:ctrlPr>
+                        </m:sSubPr>
+                        <m:e>
+                          <m:r>
+                            <a:rPr lang="en-US" sz="2800" b="1" i="1">
+                              <a:latin typeface="Cambria Math" panose="02040503050406030204" pitchFamily="18" charset="0"/>
+                            </a:rPr>
+                            <m:t>𝐱</m:t>
+                          </m:r>
+                        </m:e>
+                        <m:sub>
+                          <m:r>
+                            <a:rPr lang="en-US" sz="2800" i="1">
+                              <a:latin typeface="Cambria Math" panose="02040503050406030204" pitchFamily="18" charset="0"/>
+                            </a:rPr>
+                            <m:t>𝑘</m:t>
+                          </m:r>
+                          <m:r>
+                            <a:rPr lang="en-US" sz="2800" i="1">
+                              <a:latin typeface="Cambria Math" panose="02040503050406030204" pitchFamily="18" charset="0"/>
+                            </a:rPr>
+                            <m:t>−1</m:t>
+                          </m:r>
+                        </m:sub>
+                      </m:sSub>
+                      <m:r>
+                        <a:rPr lang="en-US" sz="2800" i="1">
+                          <a:latin typeface="Cambria Math" panose="02040503050406030204" pitchFamily="18" charset="0"/>
+                        </a:rPr>
+                        <m:t>)∆</m:t>
+                      </m:r>
+                      <m:r>
+                        <a:rPr lang="en-US" sz="2800" i="1">
+                          <a:latin typeface="Cambria Math" panose="02040503050406030204" pitchFamily="18" charset="0"/>
+                        </a:rPr>
+                        <m:t>𝜎</m:t>
+                      </m:r>
+                    </m:oMath>
+                  </m:oMathPara>
+                </a14:m>
+                <a:endParaRPr lang="en-US" sz="2800" dirty="0"/>
+              </a:p>
+            </p:txBody>
+          </p:sp>
+        </mc:Choice>
+        <mc:Fallback>
+          <p:sp>
+            <p:nvSpPr>
+              <p:cNvPr id="3" name="Rectangle 2"/>
+              <p:cNvSpPr>
+                <a:spLocks noRot="1" noChangeAspect="1" noMove="1" noResize="1" noEditPoints="1" noAdjustHandles="1" noChangeArrowheads="1" noChangeShapeType="1" noTextEdit="1"/>
+              </p:cNvSpPr>
+              <p:nvPr/>
+            </p:nvSpPr>
+            <p:spPr>
+              <a:xfrm>
+                <a:off x="16725901" y="13667738"/>
+                <a:ext cx="11125200" cy="1384995"/>
+              </a:xfrm>
+              <a:prstGeom prst="rect">
+                <a:avLst/>
+              </a:prstGeom>
+              <a:blipFill rotWithShape="0">
+                <a:blip r:embed="rId7"/>
+                <a:stretch>
+                  <a:fillRect l="-1151" t="-4405"/>
+                </a:stretch>
+              </a:blipFill>
+            </p:spPr>
+            <p:txBody>
+              <a:bodyPr/>
+              <a:lstStyle/>
+              <a:p>
+                <a:r>
+                  <a:rPr lang="en-US">
+                    <a:noFill/>
+                  </a:rPr>
+                  <a:t> </a:t>
+                </a:r>
+              </a:p>
+            </p:txBody>
+          </p:sp>
+        </mc:Fallback>
+      </mc:AlternateContent>
+      <mc:AlternateContent xmlns:mc="http://schemas.openxmlformats.org/markup-compatibility/2006">
+        <mc:Choice xmlns:a14="http://schemas.microsoft.com/office/drawing/2010/main" Requires="a14">
+          <p:sp>
+            <p:nvSpPr>
+              <p:cNvPr id="6" name="Rectangle 5"/>
+              <p:cNvSpPr/>
+              <p:nvPr/>
+            </p:nvSpPr>
+            <p:spPr>
+              <a:xfrm>
+                <a:off x="16819056" y="15453979"/>
+                <a:ext cx="11125201" cy="3749744"/>
+              </a:xfrm>
+              <a:prstGeom prst="rect">
+                <a:avLst/>
+              </a:prstGeom>
+            </p:spPr>
+            <p:txBody>
+              <a:bodyPr wrap="square">
+                <a:spAutoFit/>
+              </a:bodyPr>
+              <a:lstStyle/>
+              <a:p>
+                <a:r>
+                  <a:rPr lang="en-US" sz="2800" dirty="0">
+                    <a:latin typeface="+mj-lt"/>
+                  </a:rPr>
+                  <a:t>Euler Half Steps</a:t>
+                </a:r>
+              </a:p>
+              <a:p>
+                <a14:m>
+                  <m:oMathPara xmlns:m="http://schemas.openxmlformats.org/officeDocument/2006/math">
+                    <m:oMathParaPr>
+                      <m:jc m:val="centerGroup"/>
+                    </m:oMathParaPr>
+                    <m:oMath xmlns:m="http://schemas.openxmlformats.org/officeDocument/2006/math">
+                      <m:sSub>
+                        <m:sSubPr>
+                          <m:ctrlPr>
+                            <a:rPr lang="en-US" sz="2800" i="1">
+                              <a:latin typeface="Cambria Math" panose="02040503050406030204" pitchFamily="18" charset="0"/>
+                            </a:rPr>
+                          </m:ctrlPr>
+                        </m:sSubPr>
+                        <m:e>
+                          <m:r>
+                            <a:rPr lang="en-US" sz="2800" b="1" i="1">
+                              <a:latin typeface="Cambria Math" panose="02040503050406030204" pitchFamily="18" charset="0"/>
+                            </a:rPr>
+                            <m:t>𝐩</m:t>
+                          </m:r>
+                        </m:e>
+                        <m:sub>
+                          <m:r>
+                            <a:rPr lang="en-US" sz="2800" i="1">
+                              <a:latin typeface="Cambria Math" panose="02040503050406030204" pitchFamily="18" charset="0"/>
+                            </a:rPr>
+                            <m:t>1/2</m:t>
+                          </m:r>
+                        </m:sub>
+                      </m:sSub>
+                      <m:r>
+                        <a:rPr lang="en-US" sz="2800" i="1">
+                          <a:latin typeface="Cambria Math" panose="02040503050406030204" pitchFamily="18" charset="0"/>
+                        </a:rPr>
+                        <m:t>=</m:t>
+                      </m:r>
+                      <m:sSub>
+                        <m:sSubPr>
+                          <m:ctrlPr>
+                            <a:rPr lang="en-US" sz="2800" i="1">
+                              <a:latin typeface="Cambria Math" panose="02040503050406030204" pitchFamily="18" charset="0"/>
+                            </a:rPr>
+                          </m:ctrlPr>
+                        </m:sSubPr>
+                        <m:e>
+                          <m:r>
+                            <a:rPr lang="en-US" sz="2800" b="1" i="1">
+                              <a:latin typeface="Cambria Math" panose="02040503050406030204" pitchFamily="18" charset="0"/>
+                            </a:rPr>
+                            <m:t>𝐩</m:t>
+                          </m:r>
+                        </m:e>
+                        <m:sub>
+                          <m:r>
+                            <a:rPr lang="en-US" sz="2800" i="1">
+                              <a:latin typeface="Cambria Math" panose="02040503050406030204" pitchFamily="18" charset="0"/>
+                            </a:rPr>
+                            <m:t>0</m:t>
+                          </m:r>
+                        </m:sub>
+                      </m:sSub>
+                      <m:r>
+                        <a:rPr lang="en-US" sz="2800" i="1">
+                          <a:latin typeface="Cambria Math" panose="02040503050406030204" pitchFamily="18" charset="0"/>
+                        </a:rPr>
+                        <m:t>+ </m:t>
+                      </m:r>
+                      <m:r>
+                        <a:rPr lang="en-US" sz="2800" b="1" i="1">
+                          <a:latin typeface="Cambria Math" panose="02040503050406030204" pitchFamily="18" charset="0"/>
+                        </a:rPr>
+                        <m:t>𝐠</m:t>
+                      </m:r>
+                      <m:r>
+                        <a:rPr lang="en-US" sz="2800" i="1">
+                          <a:latin typeface="Cambria Math" panose="02040503050406030204" pitchFamily="18" charset="0"/>
+                        </a:rPr>
+                        <m:t>(</m:t>
+                      </m:r>
+                      <m:sSub>
+                        <m:sSubPr>
+                          <m:ctrlPr>
+                            <a:rPr lang="en-US" sz="2800" i="1">
+                              <a:latin typeface="Cambria Math" panose="02040503050406030204" pitchFamily="18" charset="0"/>
+                            </a:rPr>
+                          </m:ctrlPr>
+                        </m:sSubPr>
+                        <m:e>
+                          <m:r>
+                            <a:rPr lang="en-US" sz="2800" b="1" i="1">
+                              <a:latin typeface="Cambria Math" panose="02040503050406030204" pitchFamily="18" charset="0"/>
+                            </a:rPr>
+                            <m:t>𝐱</m:t>
+                          </m:r>
+                        </m:e>
+                        <m:sub>
+                          <m:r>
+                            <a:rPr lang="en-US" sz="2800" i="1">
+                              <a:latin typeface="Cambria Math" panose="02040503050406030204" pitchFamily="18" charset="0"/>
+                            </a:rPr>
+                            <m:t>0</m:t>
+                          </m:r>
+                        </m:sub>
+                      </m:sSub>
+                      <m:r>
+                        <a:rPr lang="en-US" sz="2800" i="1">
+                          <a:latin typeface="Cambria Math" panose="02040503050406030204" pitchFamily="18" charset="0"/>
+                        </a:rPr>
+                        <m:t>)</m:t>
+                      </m:r>
+                      <m:f>
+                        <m:fPr>
+                          <m:ctrlPr>
+                            <a:rPr lang="en-US" sz="2800" i="1">
+                              <a:latin typeface="Cambria Math" panose="02040503050406030204" pitchFamily="18" charset="0"/>
+                            </a:rPr>
+                          </m:ctrlPr>
+                        </m:fPr>
+                        <m:num>
+                          <m:r>
+                            <a:rPr lang="en-US" sz="2800" i="1">
+                              <a:latin typeface="Cambria Math" panose="02040503050406030204" pitchFamily="18" charset="0"/>
+                            </a:rPr>
+                            <m:t>∆</m:t>
+                          </m:r>
+                          <m:r>
+                            <a:rPr lang="en-US" sz="2800" i="1">
+                              <a:latin typeface="Cambria Math" panose="02040503050406030204" pitchFamily="18" charset="0"/>
+                            </a:rPr>
+                            <m:t>𝜎</m:t>
+                          </m:r>
+                        </m:num>
+                        <m:den>
+                          <m:r>
+                            <a:rPr lang="en-US" sz="2800" i="1">
+                              <a:latin typeface="Cambria Math" panose="02040503050406030204" pitchFamily="18" charset="0"/>
+                            </a:rPr>
+                            <m:t>2</m:t>
+                          </m:r>
+                        </m:den>
+                      </m:f>
+                    </m:oMath>
+                  </m:oMathPara>
+                </a14:m>
+                <a:endParaRPr lang="en-US" sz="2800" dirty="0"/>
+              </a:p>
+              <a:p>
+                <a14:m>
+                  <m:oMathPara xmlns:m="http://schemas.openxmlformats.org/officeDocument/2006/math">
+                    <m:oMathParaPr>
+                      <m:jc m:val="centerGroup"/>
+                    </m:oMathParaPr>
+                    <m:oMath xmlns:m="http://schemas.openxmlformats.org/officeDocument/2006/math">
+                      <m:sSub>
+                        <m:sSubPr>
+                          <m:ctrlPr>
+                            <a:rPr lang="en-US" sz="2800" i="1">
+                              <a:latin typeface="Cambria Math" panose="02040503050406030204" pitchFamily="18" charset="0"/>
+                            </a:rPr>
+                          </m:ctrlPr>
+                        </m:sSubPr>
+                        <m:e>
+                          <m:r>
+                            <a:rPr lang="en-US" sz="2800" b="1" i="1">
+                              <a:latin typeface="Cambria Math" panose="02040503050406030204" pitchFamily="18" charset="0"/>
+                            </a:rPr>
+                            <m:t>𝐱</m:t>
+                          </m:r>
+                        </m:e>
+                        <m:sub>
+                          <m:r>
+                            <a:rPr lang="en-US" sz="2800" i="1">
+                              <a:latin typeface="Cambria Math" panose="02040503050406030204" pitchFamily="18" charset="0"/>
+                            </a:rPr>
+                            <m:t>1/2</m:t>
+                          </m:r>
+                        </m:sub>
+                      </m:sSub>
+                      <m:r>
+                        <a:rPr lang="en-US" sz="2800" i="1">
+                          <a:latin typeface="Cambria Math" panose="02040503050406030204" pitchFamily="18" charset="0"/>
+                        </a:rPr>
+                        <m:t>=</m:t>
+                      </m:r>
+                      <m:sSub>
+                        <m:sSubPr>
+                          <m:ctrlPr>
+                            <a:rPr lang="en-US" sz="2800" i="1">
+                              <a:latin typeface="Cambria Math" panose="02040503050406030204" pitchFamily="18" charset="0"/>
+                            </a:rPr>
+                          </m:ctrlPr>
+                        </m:sSubPr>
+                        <m:e>
+                          <m:r>
+                            <a:rPr lang="en-US" sz="2800" b="1" i="1">
+                              <a:latin typeface="Cambria Math" panose="02040503050406030204" pitchFamily="18" charset="0"/>
+                            </a:rPr>
+                            <m:t>𝐱</m:t>
+                          </m:r>
+                        </m:e>
+                        <m:sub>
+                          <m:r>
+                            <a:rPr lang="en-US" sz="2800" i="1">
+                              <a:latin typeface="Cambria Math" panose="02040503050406030204" pitchFamily="18" charset="0"/>
+                            </a:rPr>
+                            <m:t>0</m:t>
+                          </m:r>
+                        </m:sub>
+                      </m:sSub>
+                      <m:r>
+                        <a:rPr lang="en-US" sz="2800" i="1">
+                          <a:latin typeface="Cambria Math" panose="02040503050406030204" pitchFamily="18" charset="0"/>
+                        </a:rPr>
+                        <m:t>+</m:t>
+                      </m:r>
+                      <m:sSub>
+                        <m:sSubPr>
+                          <m:ctrlPr>
+                            <a:rPr lang="en-US" sz="2800" i="1">
+                              <a:latin typeface="Cambria Math" panose="02040503050406030204" pitchFamily="18" charset="0"/>
+                            </a:rPr>
+                          </m:ctrlPr>
+                        </m:sSubPr>
+                        <m:e>
+                          <m:r>
+                            <a:rPr lang="en-US" sz="2800" b="1" i="1">
+                              <a:latin typeface="Cambria Math" panose="02040503050406030204" pitchFamily="18" charset="0"/>
+                            </a:rPr>
+                            <m:t>𝐩</m:t>
+                          </m:r>
+                        </m:e>
+                        <m:sub>
+                          <m:r>
+                            <a:rPr lang="en-US" sz="2800">
+                              <a:latin typeface="Cambria Math" panose="02040503050406030204" pitchFamily="18" charset="0"/>
+                            </a:rPr>
+                            <m:t>1/2</m:t>
+                          </m:r>
+                        </m:sub>
+                      </m:sSub>
+                      <m:f>
+                        <m:fPr>
+                          <m:ctrlPr>
+                            <a:rPr lang="en-US" sz="2800" i="1">
+                              <a:latin typeface="Cambria Math" panose="02040503050406030204" pitchFamily="18" charset="0"/>
+                            </a:rPr>
+                          </m:ctrlPr>
+                        </m:fPr>
+                        <m:num>
+                          <m:r>
+                            <a:rPr lang="en-US" sz="2800" i="1">
+                              <a:latin typeface="Cambria Math" panose="02040503050406030204" pitchFamily="18" charset="0"/>
+                            </a:rPr>
+                            <m:t>∆</m:t>
+                          </m:r>
+                          <m:r>
+                            <a:rPr lang="en-US" sz="2800" i="1">
+                              <a:latin typeface="Cambria Math" panose="02040503050406030204" pitchFamily="18" charset="0"/>
+                            </a:rPr>
+                            <m:t>𝜎</m:t>
+                          </m:r>
+                        </m:num>
+                        <m:den>
+                          <m:r>
+                            <a:rPr lang="en-US" sz="2800" i="1">
+                              <a:latin typeface="Cambria Math" panose="02040503050406030204" pitchFamily="18" charset="0"/>
+                            </a:rPr>
+                            <m:t>2</m:t>
+                          </m:r>
+                        </m:den>
+                      </m:f>
+                    </m:oMath>
+                  </m:oMathPara>
+                </a14:m>
+                <a:endParaRPr lang="en-US" sz="2800" dirty="0"/>
+              </a:p>
+              <a:p>
+                <a14:m>
+                  <m:oMathPara xmlns:m="http://schemas.openxmlformats.org/officeDocument/2006/math">
+                    <m:oMathParaPr>
+                      <m:jc m:val="centerGroup"/>
+                    </m:oMathParaPr>
+                    <m:oMath xmlns:m="http://schemas.openxmlformats.org/officeDocument/2006/math">
+                      <m:sSub>
+                        <m:sSubPr>
+                          <m:ctrlPr>
+                            <a:rPr lang="en-US" sz="2800" i="1">
+                              <a:latin typeface="Cambria Math" panose="02040503050406030204" pitchFamily="18" charset="0"/>
+                            </a:rPr>
+                          </m:ctrlPr>
+                        </m:sSubPr>
+                        <m:e>
+                          <m:r>
+                            <a:rPr lang="en-US" sz="2800" b="1" i="1">
+                              <a:latin typeface="Cambria Math" panose="02040503050406030204" pitchFamily="18" charset="0"/>
+                            </a:rPr>
+                            <m:t>𝐱</m:t>
+                          </m:r>
+                        </m:e>
+                        <m:sub>
+                          <m:r>
+                            <a:rPr lang="en-US" sz="2800" i="1">
+                              <a:latin typeface="Cambria Math" panose="02040503050406030204" pitchFamily="18" charset="0"/>
+                            </a:rPr>
+                            <m:t>1</m:t>
+                          </m:r>
+                        </m:sub>
+                      </m:sSub>
+                      <m:r>
+                        <a:rPr lang="en-US" sz="2800" i="1">
+                          <a:latin typeface="Cambria Math" panose="02040503050406030204" pitchFamily="18" charset="0"/>
+                        </a:rPr>
+                        <m:t>=</m:t>
+                      </m:r>
+                      <m:sSub>
+                        <m:sSubPr>
+                          <m:ctrlPr>
+                            <a:rPr lang="en-US" sz="2800" i="1">
+                              <a:latin typeface="Cambria Math" panose="02040503050406030204" pitchFamily="18" charset="0"/>
+                            </a:rPr>
+                          </m:ctrlPr>
+                        </m:sSubPr>
+                        <m:e>
+                          <m:r>
+                            <a:rPr lang="en-US" sz="2800" b="1" i="1">
+                              <a:latin typeface="Cambria Math" panose="02040503050406030204" pitchFamily="18" charset="0"/>
+                            </a:rPr>
+                            <m:t>𝐱</m:t>
+                          </m:r>
+                        </m:e>
+                        <m:sub>
+                          <m:r>
+                            <a:rPr lang="en-US" sz="2800" i="1">
+                              <a:latin typeface="Cambria Math" panose="02040503050406030204" pitchFamily="18" charset="0"/>
+                            </a:rPr>
+                            <m:t>1/2</m:t>
+                          </m:r>
+                        </m:sub>
+                      </m:sSub>
+                      <m:r>
+                        <a:rPr lang="en-US" sz="2800" i="1">
+                          <a:latin typeface="Cambria Math" panose="02040503050406030204" pitchFamily="18" charset="0"/>
+                        </a:rPr>
+                        <m:t>+</m:t>
+                      </m:r>
+                      <m:sSub>
+                        <m:sSubPr>
+                          <m:ctrlPr>
+                            <a:rPr lang="en-US" sz="2800" i="1">
+                              <a:latin typeface="Cambria Math" panose="02040503050406030204" pitchFamily="18" charset="0"/>
+                            </a:rPr>
+                          </m:ctrlPr>
+                        </m:sSubPr>
+                        <m:e>
+                          <m:r>
+                            <a:rPr lang="en-US" sz="2800" b="1" i="1">
+                              <a:latin typeface="Cambria Math" panose="02040503050406030204" pitchFamily="18" charset="0"/>
+                            </a:rPr>
+                            <m:t>𝐩</m:t>
+                          </m:r>
+                        </m:e>
+                        <m:sub>
+                          <m:r>
+                            <a:rPr lang="en-US" sz="2800">
+                              <a:latin typeface="Cambria Math" panose="02040503050406030204" pitchFamily="18" charset="0"/>
+                            </a:rPr>
+                            <m:t>1/2</m:t>
+                          </m:r>
+                        </m:sub>
+                      </m:sSub>
+                      <m:f>
+                        <m:fPr>
+                          <m:ctrlPr>
+                            <a:rPr lang="en-US" sz="2800" i="1">
+                              <a:latin typeface="Cambria Math" panose="02040503050406030204" pitchFamily="18" charset="0"/>
+                            </a:rPr>
+                          </m:ctrlPr>
+                        </m:fPr>
+                        <m:num>
+                          <m:r>
+                            <a:rPr lang="en-US" sz="2800" i="1">
+                              <a:latin typeface="Cambria Math" panose="02040503050406030204" pitchFamily="18" charset="0"/>
+                            </a:rPr>
+                            <m:t>∆</m:t>
+                          </m:r>
+                          <m:r>
+                            <a:rPr lang="en-US" sz="2800" i="1">
+                              <a:latin typeface="Cambria Math" panose="02040503050406030204" pitchFamily="18" charset="0"/>
+                            </a:rPr>
+                            <m:t>𝜎</m:t>
+                          </m:r>
+                        </m:num>
+                        <m:den>
+                          <m:r>
+                            <a:rPr lang="en-US" sz="2800" i="1">
+                              <a:latin typeface="Cambria Math" panose="02040503050406030204" pitchFamily="18" charset="0"/>
+                            </a:rPr>
+                            <m:t>2</m:t>
+                          </m:r>
+                        </m:den>
+                      </m:f>
+                    </m:oMath>
+                  </m:oMathPara>
+                </a14:m>
+                <a:endParaRPr lang="en-US" sz="2800" dirty="0"/>
+              </a:p>
+              <a:p>
+                <a14:m>
+                  <m:oMathPara xmlns:m="http://schemas.openxmlformats.org/officeDocument/2006/math">
+                    <m:oMathParaPr>
+                      <m:jc m:val="centerGroup"/>
+                    </m:oMathParaPr>
+                    <m:oMath xmlns:m="http://schemas.openxmlformats.org/officeDocument/2006/math">
+                      <m:sSub>
+                        <m:sSubPr>
+                          <m:ctrlPr>
+                            <a:rPr lang="en-US" sz="2800" i="1">
+                              <a:latin typeface="Cambria Math" panose="02040503050406030204" pitchFamily="18" charset="0"/>
+                            </a:rPr>
+                          </m:ctrlPr>
+                        </m:sSubPr>
+                        <m:e>
+                          <m:r>
+                            <a:rPr lang="en-US" sz="2800" b="1" i="1">
+                              <a:latin typeface="Cambria Math" panose="02040503050406030204" pitchFamily="18" charset="0"/>
+                            </a:rPr>
+                            <m:t>𝐩</m:t>
+                          </m:r>
+                        </m:e>
+                        <m:sub>
+                          <m:r>
+                            <a:rPr lang="en-US" sz="2800" i="1">
+                              <a:latin typeface="Cambria Math" panose="02040503050406030204" pitchFamily="18" charset="0"/>
+                            </a:rPr>
+                            <m:t>1</m:t>
+                          </m:r>
+                        </m:sub>
+                      </m:sSub>
+                      <m:r>
+                        <a:rPr lang="en-US" sz="2800" i="1">
+                          <a:latin typeface="Cambria Math" panose="02040503050406030204" pitchFamily="18" charset="0"/>
+                        </a:rPr>
+                        <m:t>=</m:t>
+                      </m:r>
+                      <m:sSub>
+                        <m:sSubPr>
+                          <m:ctrlPr>
+                            <a:rPr lang="en-US" sz="2800" i="1">
+                              <a:latin typeface="Cambria Math" panose="02040503050406030204" pitchFamily="18" charset="0"/>
+                            </a:rPr>
+                          </m:ctrlPr>
+                        </m:sSubPr>
+                        <m:e>
+                          <m:r>
+                            <a:rPr lang="en-US" sz="2800" b="1" i="1">
+                              <a:latin typeface="Cambria Math" panose="02040503050406030204" pitchFamily="18" charset="0"/>
+                            </a:rPr>
+                            <m:t>𝐩</m:t>
+                          </m:r>
+                        </m:e>
+                        <m:sub>
+                          <m:r>
+                            <a:rPr lang="en-US" sz="2800" i="1">
+                              <a:latin typeface="Cambria Math" panose="02040503050406030204" pitchFamily="18" charset="0"/>
+                            </a:rPr>
+                            <m:t>1/2</m:t>
+                          </m:r>
+                        </m:sub>
+                      </m:sSub>
+                      <m:r>
+                        <a:rPr lang="en-US" sz="2800" i="1">
+                          <a:latin typeface="Cambria Math" panose="02040503050406030204" pitchFamily="18" charset="0"/>
+                        </a:rPr>
+                        <m:t>+ </m:t>
+                      </m:r>
+                      <m:r>
+                        <a:rPr lang="en-US" sz="2800" b="1" i="1">
+                          <a:latin typeface="Cambria Math" panose="02040503050406030204" pitchFamily="18" charset="0"/>
+                        </a:rPr>
+                        <m:t>𝐠</m:t>
+                      </m:r>
+                      <m:r>
+                        <a:rPr lang="en-US" sz="2800" i="1">
+                          <a:latin typeface="Cambria Math" panose="02040503050406030204" pitchFamily="18" charset="0"/>
+                        </a:rPr>
+                        <m:t>(</m:t>
+                      </m:r>
+                      <m:sSub>
+                        <m:sSubPr>
+                          <m:ctrlPr>
+                            <a:rPr lang="en-US" sz="2800" i="1">
+                              <a:latin typeface="Cambria Math" panose="02040503050406030204" pitchFamily="18" charset="0"/>
+                            </a:rPr>
+                          </m:ctrlPr>
+                        </m:sSubPr>
+                        <m:e>
+                          <m:r>
+                            <a:rPr lang="en-US" sz="2800" b="1" i="1">
+                              <a:latin typeface="Cambria Math" panose="02040503050406030204" pitchFamily="18" charset="0"/>
+                            </a:rPr>
+                            <m:t>𝐱</m:t>
+                          </m:r>
+                        </m:e>
+                        <m:sub>
+                          <m:r>
+                            <a:rPr lang="en-US" sz="2800" i="1">
+                              <a:latin typeface="Cambria Math" panose="02040503050406030204" pitchFamily="18" charset="0"/>
+                            </a:rPr>
+                            <m:t>1</m:t>
+                          </m:r>
+                        </m:sub>
+                      </m:sSub>
+                      <m:r>
+                        <a:rPr lang="en-US" sz="2800" i="1">
+                          <a:latin typeface="Cambria Math" panose="02040503050406030204" pitchFamily="18" charset="0"/>
+                        </a:rPr>
+                        <m:t>)</m:t>
+                      </m:r>
+                      <m:f>
+                        <m:fPr>
+                          <m:ctrlPr>
+                            <a:rPr lang="en-US" sz="2800" i="1">
+                              <a:latin typeface="Cambria Math" panose="02040503050406030204" pitchFamily="18" charset="0"/>
+                            </a:rPr>
+                          </m:ctrlPr>
+                        </m:fPr>
+                        <m:num>
+                          <m:r>
+                            <a:rPr lang="en-US" sz="2800" i="1">
+                              <a:latin typeface="Cambria Math" panose="02040503050406030204" pitchFamily="18" charset="0"/>
+                            </a:rPr>
+                            <m:t>∆</m:t>
+                          </m:r>
+                          <m:r>
+                            <a:rPr lang="en-US" sz="2800" i="1">
+                              <a:latin typeface="Cambria Math" panose="02040503050406030204" pitchFamily="18" charset="0"/>
+                            </a:rPr>
+                            <m:t>𝜎</m:t>
+                          </m:r>
+                        </m:num>
+                        <m:den>
+                          <m:r>
+                            <a:rPr lang="en-US" sz="2800" i="1">
+                              <a:latin typeface="Cambria Math" panose="02040503050406030204" pitchFamily="18" charset="0"/>
+                            </a:rPr>
+                            <m:t>2</m:t>
+                          </m:r>
+                        </m:den>
+                      </m:f>
+                    </m:oMath>
+                  </m:oMathPara>
+                </a14:m>
+                <a:endParaRPr lang="en-US" sz="2800" dirty="0"/>
+              </a:p>
+            </p:txBody>
+          </p:sp>
+        </mc:Choice>
+        <mc:Fallback>
+          <p:sp>
+            <p:nvSpPr>
+              <p:cNvPr id="6" name="Rectangle 5"/>
+              <p:cNvSpPr>
+                <a:spLocks noRot="1" noChangeAspect="1" noMove="1" noResize="1" noEditPoints="1" noAdjustHandles="1" noChangeArrowheads="1" noChangeShapeType="1" noTextEdit="1"/>
+              </p:cNvSpPr>
+              <p:nvPr/>
+            </p:nvSpPr>
+            <p:spPr>
+              <a:xfrm>
+                <a:off x="16819056" y="15453979"/>
+                <a:ext cx="11125201" cy="3749744"/>
+              </a:xfrm>
+              <a:prstGeom prst="rect">
+                <a:avLst/>
+              </a:prstGeom>
+              <a:blipFill rotWithShape="0">
+                <a:blip r:embed="rId8"/>
+                <a:stretch>
+                  <a:fillRect l="-1096" t="-1626"/>
+                </a:stretch>
+              </a:blipFill>
+            </p:spPr>
+            <p:txBody>
+              <a:bodyPr/>
+              <a:lstStyle/>
+              <a:p>
+                <a:r>
+                  <a:rPr lang="en-US">
+                    <a:noFill/>
+                  </a:rPr>
+                  <a:t> </a:t>
+                </a:r>
+              </a:p>
+            </p:txBody>
+          </p:sp>
+        </mc:Fallback>
+      </mc:AlternateContent>
+      <p:sp>
+        <p:nvSpPr>
+          <p:cNvPr id="10" name="Content Placeholder 9"/>
+          <p:cNvSpPr>
+            <a:spLocks noGrp="1"/>
+          </p:cNvSpPr>
+          <p:nvPr>
+            <p:ph sz="quarter" idx="28"/>
+          </p:nvPr>
+        </p:nvSpPr>
+        <p:spPr/>
+        <p:txBody>
+          <a:bodyPr/>
+          <a:lstStyle/>
+          <a:p>
+            <a:endParaRPr lang="en-US"/>
+          </a:p>
+        </p:txBody>
+      </p:sp>
+      <mc:AlternateContent xmlns:mc="http://schemas.openxmlformats.org/markup-compatibility/2006">
+        <mc:Choice xmlns:a14="http://schemas.microsoft.com/office/drawing/2010/main" Requires="a14">
+          <p:sp>
+            <p:nvSpPr>
+              <p:cNvPr id="19" name="Rectangle 18"/>
+              <p:cNvSpPr/>
+              <p:nvPr/>
+            </p:nvSpPr>
+            <p:spPr>
+              <a:xfrm>
+                <a:off x="16725901" y="19604969"/>
+                <a:ext cx="11125200" cy="2218364"/>
+              </a:xfrm>
+              <a:prstGeom prst="rect">
+                <a:avLst/>
+              </a:prstGeom>
+            </p:spPr>
+            <p:txBody>
+              <a:bodyPr wrap="square">
+                <a:spAutoFit/>
+              </a:bodyPr>
+              <a:lstStyle/>
+              <a:p>
+                <a:r>
+                  <a:rPr lang="en-US" sz="2800" dirty="0">
+                    <a:latin typeface="+mj-lt"/>
+                  </a:rPr>
+                  <a:t>Euler Second Order Equation</a:t>
+                </a:r>
+                <a:r>
+                  <a:rPr lang="en-US" sz="2800" dirty="0">
+                    <a:latin typeface="+mj-lt"/>
+                  </a:rPr>
+                  <a:t> </a:t>
+                </a:r>
+              </a:p>
+              <a:p>
+                <a14:m>
+                  <m:oMathPara xmlns:m="http://schemas.openxmlformats.org/officeDocument/2006/math">
+                    <m:oMathParaPr>
+                      <m:jc m:val="centerGroup"/>
+                    </m:oMathParaPr>
+                    <m:oMath xmlns:m="http://schemas.openxmlformats.org/officeDocument/2006/math">
+                      <m:sSub>
+                        <m:sSubPr>
+                          <m:ctrlPr>
+                            <a:rPr lang="en-US" sz="2800" i="1">
+                              <a:latin typeface="Cambria Math" panose="02040503050406030204" pitchFamily="18" charset="0"/>
+                            </a:rPr>
+                          </m:ctrlPr>
+                        </m:sSubPr>
+                        <m:e>
+                          <m:r>
+                            <a:rPr lang="en-US" sz="2800" b="1" i="1">
+                              <a:latin typeface="Cambria Math" panose="02040503050406030204" pitchFamily="18" charset="0"/>
+                            </a:rPr>
+                            <m:t>𝐩</m:t>
+                          </m:r>
+                        </m:e>
+                        <m:sub>
+                          <m:r>
+                            <a:rPr lang="en-US" sz="2800" i="1">
+                              <a:latin typeface="Cambria Math" panose="02040503050406030204" pitchFamily="18" charset="0"/>
+                            </a:rPr>
+                            <m:t>𝑘</m:t>
+                          </m:r>
+                        </m:sub>
+                      </m:sSub>
+                      <m:r>
+                        <a:rPr lang="en-US" sz="2800" i="1">
+                          <a:latin typeface="Cambria Math" panose="02040503050406030204" pitchFamily="18" charset="0"/>
+                        </a:rPr>
+                        <m:t>=</m:t>
+                      </m:r>
+                      <m:sSub>
+                        <m:sSubPr>
+                          <m:ctrlPr>
+                            <a:rPr lang="en-US" sz="2800" i="1">
+                              <a:latin typeface="Cambria Math" panose="02040503050406030204" pitchFamily="18" charset="0"/>
+                            </a:rPr>
+                          </m:ctrlPr>
+                        </m:sSubPr>
+                        <m:e>
+                          <m:r>
+                            <a:rPr lang="en-US" sz="2800" b="1" i="1">
+                              <a:latin typeface="Cambria Math" panose="02040503050406030204" pitchFamily="18" charset="0"/>
+                            </a:rPr>
+                            <m:t>𝐩</m:t>
+                          </m:r>
+                        </m:e>
+                        <m:sub>
+                          <m:r>
+                            <a:rPr lang="en-US" sz="2800" i="1">
+                              <a:latin typeface="Cambria Math" panose="02040503050406030204" pitchFamily="18" charset="0"/>
+                            </a:rPr>
+                            <m:t>𝑘</m:t>
+                          </m:r>
+                          <m:r>
+                            <a:rPr lang="en-US" sz="2800" i="1">
+                              <a:latin typeface="Cambria Math" panose="02040503050406030204" pitchFamily="18" charset="0"/>
+                            </a:rPr>
+                            <m:t>−1</m:t>
+                          </m:r>
+                        </m:sub>
+                      </m:sSub>
+                      <m:r>
+                        <a:rPr lang="en-US" sz="2800" i="1">
+                          <a:latin typeface="Cambria Math" panose="02040503050406030204" pitchFamily="18" charset="0"/>
+                        </a:rPr>
+                        <m:t>+ </m:t>
+                      </m:r>
+                      <m:f>
+                        <m:fPr>
+                          <m:ctrlPr>
+                            <a:rPr lang="en-US" sz="2800" i="1">
+                              <a:latin typeface="Cambria Math" panose="02040503050406030204" pitchFamily="18" charset="0"/>
+                            </a:rPr>
+                          </m:ctrlPr>
+                        </m:fPr>
+                        <m:num>
+                          <m:r>
+                            <a:rPr lang="en-US" sz="2800" b="1" i="1">
+                              <a:latin typeface="Cambria Math" panose="02040503050406030204" pitchFamily="18" charset="0"/>
+                            </a:rPr>
+                            <m:t>𝐠</m:t>
+                          </m:r>
+                          <m:d>
+                            <m:dPr>
+                              <m:ctrlPr>
+                                <a:rPr lang="en-US" sz="2800" i="1">
+                                  <a:latin typeface="Cambria Math" panose="02040503050406030204" pitchFamily="18" charset="0"/>
+                                </a:rPr>
+                              </m:ctrlPr>
+                            </m:dPr>
+                            <m:e>
+                              <m:sSub>
+                                <m:sSubPr>
+                                  <m:ctrlPr>
+                                    <a:rPr lang="en-US" sz="2800" i="1">
+                                      <a:latin typeface="Cambria Math" panose="02040503050406030204" pitchFamily="18" charset="0"/>
+                                    </a:rPr>
+                                  </m:ctrlPr>
+                                </m:sSubPr>
+                                <m:e>
+                                  <m:r>
+                                    <a:rPr lang="en-US" sz="2800" b="1" i="1">
+                                      <a:latin typeface="Cambria Math" panose="02040503050406030204" pitchFamily="18" charset="0"/>
+                                    </a:rPr>
+                                    <m:t>𝐱</m:t>
+                                  </m:r>
+                                </m:e>
+                                <m:sub>
+                                  <m:r>
+                                    <a:rPr lang="en-US" sz="2800" i="1">
+                                      <a:latin typeface="Cambria Math" panose="02040503050406030204" pitchFamily="18" charset="0"/>
+                                    </a:rPr>
+                                    <m:t>𝑘</m:t>
+                                  </m:r>
+                                  <m:r>
+                                    <a:rPr lang="en-US" sz="2800" i="1">
+                                      <a:latin typeface="Cambria Math" panose="02040503050406030204" pitchFamily="18" charset="0"/>
+                                    </a:rPr>
+                                    <m:t>−1</m:t>
+                                  </m:r>
+                                </m:sub>
+                              </m:sSub>
+                            </m:e>
+                          </m:d>
+                          <m:r>
+                            <a:rPr lang="en-US" sz="2800" i="1">
+                              <a:latin typeface="Cambria Math" panose="02040503050406030204" pitchFamily="18" charset="0"/>
+                            </a:rPr>
+                            <m:t>+</m:t>
+                          </m:r>
+                          <m:r>
+                            <a:rPr lang="en-US" sz="2800" b="1" i="1">
+                              <a:latin typeface="Cambria Math" panose="02040503050406030204" pitchFamily="18" charset="0"/>
+                            </a:rPr>
+                            <m:t>𝐠</m:t>
+                          </m:r>
+                          <m:d>
+                            <m:dPr>
+                              <m:ctrlPr>
+                                <a:rPr lang="en-US" sz="2800" i="1">
+                                  <a:latin typeface="Cambria Math" panose="02040503050406030204" pitchFamily="18" charset="0"/>
+                                </a:rPr>
+                              </m:ctrlPr>
+                            </m:dPr>
+                            <m:e>
+                              <m:sSub>
+                                <m:sSubPr>
+                                  <m:ctrlPr>
+                                    <a:rPr lang="en-US" sz="2800" i="1">
+                                      <a:latin typeface="Cambria Math" panose="02040503050406030204" pitchFamily="18" charset="0"/>
+                                    </a:rPr>
+                                  </m:ctrlPr>
+                                </m:sSubPr>
+                                <m:e>
+                                  <m:r>
+                                    <a:rPr lang="en-US" sz="2800" b="1" i="1">
+                                      <a:latin typeface="Cambria Math" panose="02040503050406030204" pitchFamily="18" charset="0"/>
+                                    </a:rPr>
+                                    <m:t>𝐱</m:t>
+                                  </m:r>
+                                </m:e>
+                                <m:sub>
+                                  <m:r>
+                                    <a:rPr lang="en-US" sz="2800" i="1">
+                                      <a:latin typeface="Cambria Math" panose="02040503050406030204" pitchFamily="18" charset="0"/>
+                                    </a:rPr>
+                                    <m:t>𝑘</m:t>
+                                  </m:r>
+                                </m:sub>
+                              </m:sSub>
+                            </m:e>
+                          </m:d>
+                        </m:num>
+                        <m:den>
+                          <m:r>
+                            <a:rPr lang="en-US" sz="2800" i="1">
+                              <a:latin typeface="Cambria Math" panose="02040503050406030204" pitchFamily="18" charset="0"/>
+                            </a:rPr>
+                            <m:t>2</m:t>
+                          </m:r>
+                        </m:den>
+                      </m:f>
+                      <m:r>
+                        <a:rPr lang="en-US" sz="2800" i="1">
+                          <a:latin typeface="Cambria Math" panose="02040503050406030204" pitchFamily="18" charset="0"/>
+                        </a:rPr>
+                        <m:t>∆</m:t>
+                      </m:r>
+                      <m:r>
+                        <a:rPr lang="en-US" sz="2800" i="1">
+                          <a:latin typeface="Cambria Math" panose="02040503050406030204" pitchFamily="18" charset="0"/>
+                        </a:rPr>
+                        <m:t>𝜎</m:t>
+                      </m:r>
+                    </m:oMath>
+                  </m:oMathPara>
+                </a14:m>
+                <a:endParaRPr lang="en-US" sz="2800" dirty="0"/>
+              </a:p>
+              <a:p>
+                <a14:m>
+                  <m:oMathPara xmlns:m="http://schemas.openxmlformats.org/officeDocument/2006/math">
+                    <m:oMathParaPr>
+                      <m:jc m:val="centerGroup"/>
+                    </m:oMathParaPr>
+                    <m:oMath xmlns:m="http://schemas.openxmlformats.org/officeDocument/2006/math">
+                      <m:sSub>
+                        <m:sSubPr>
+                          <m:ctrlPr>
+                            <a:rPr lang="en-US" sz="2800" i="1">
+                              <a:latin typeface="Cambria Math" panose="02040503050406030204" pitchFamily="18" charset="0"/>
+                            </a:rPr>
+                          </m:ctrlPr>
+                        </m:sSubPr>
+                        <m:e>
+                          <m:r>
+                            <a:rPr lang="en-US" sz="2800" b="1" i="1">
+                              <a:latin typeface="Cambria Math" panose="02040503050406030204" pitchFamily="18" charset="0"/>
+                            </a:rPr>
+                            <m:t>𝐱</m:t>
+                          </m:r>
+                        </m:e>
+                        <m:sub>
+                          <m:r>
+                            <a:rPr lang="en-US" sz="2800" i="1">
+                              <a:latin typeface="Cambria Math" panose="02040503050406030204" pitchFamily="18" charset="0"/>
+                            </a:rPr>
+                            <m:t>𝑘</m:t>
+                          </m:r>
+                        </m:sub>
+                      </m:sSub>
+                      <m:r>
+                        <a:rPr lang="en-US" sz="2800" i="1">
+                          <a:latin typeface="Cambria Math" panose="02040503050406030204" pitchFamily="18" charset="0"/>
+                        </a:rPr>
+                        <m:t>=</m:t>
+                      </m:r>
+                      <m:sSub>
+                        <m:sSubPr>
+                          <m:ctrlPr>
+                            <a:rPr lang="en-US" sz="2800" i="1">
+                              <a:latin typeface="Cambria Math" panose="02040503050406030204" pitchFamily="18" charset="0"/>
+                            </a:rPr>
+                          </m:ctrlPr>
+                        </m:sSubPr>
+                        <m:e>
+                          <m:r>
+                            <a:rPr lang="en-US" sz="2800" b="1" i="1">
+                              <a:latin typeface="Cambria Math" panose="02040503050406030204" pitchFamily="18" charset="0"/>
+                            </a:rPr>
+                            <m:t>𝐱</m:t>
+                          </m:r>
+                        </m:e>
+                        <m:sub>
+                          <m:r>
+                            <a:rPr lang="en-US" sz="2800" i="1">
+                              <a:latin typeface="Cambria Math" panose="02040503050406030204" pitchFamily="18" charset="0"/>
+                            </a:rPr>
+                            <m:t>𝑘</m:t>
+                          </m:r>
+                          <m:r>
+                            <a:rPr lang="en-US" sz="2800" i="1">
+                              <a:latin typeface="Cambria Math" panose="02040503050406030204" pitchFamily="18" charset="0"/>
+                            </a:rPr>
+                            <m:t>−1</m:t>
+                          </m:r>
+                        </m:sub>
+                      </m:sSub>
+                      <m:r>
+                        <a:rPr lang="en-US" sz="2800" i="1">
+                          <a:latin typeface="Cambria Math" panose="02040503050406030204" pitchFamily="18" charset="0"/>
+                        </a:rPr>
+                        <m:t>+</m:t>
+                      </m:r>
+                      <m:sSub>
+                        <m:sSubPr>
+                          <m:ctrlPr>
+                            <a:rPr lang="en-US" sz="2800" i="1">
+                              <a:latin typeface="Cambria Math" panose="02040503050406030204" pitchFamily="18" charset="0"/>
+                            </a:rPr>
+                          </m:ctrlPr>
+                        </m:sSubPr>
+                        <m:e>
+                          <m:r>
+                            <a:rPr lang="en-US" sz="2800" b="1" i="1">
+                              <a:latin typeface="Cambria Math" panose="02040503050406030204" pitchFamily="18" charset="0"/>
+                            </a:rPr>
+                            <m:t>𝐩</m:t>
+                          </m:r>
+                        </m:e>
+                        <m:sub>
+                          <m:r>
+                            <a:rPr lang="en-US" sz="2800" i="1">
+                              <a:latin typeface="Cambria Math" panose="02040503050406030204" pitchFamily="18" charset="0"/>
+                            </a:rPr>
+                            <m:t>𝑘</m:t>
+                          </m:r>
+                          <m:r>
+                            <a:rPr lang="en-US" sz="2800" i="1">
+                              <a:latin typeface="Cambria Math" panose="02040503050406030204" pitchFamily="18" charset="0"/>
+                            </a:rPr>
+                            <m:t>−1</m:t>
+                          </m:r>
+                        </m:sub>
+                      </m:sSub>
+                      <m:r>
+                        <a:rPr lang="en-US" sz="2800" i="1">
+                          <a:latin typeface="Cambria Math" panose="02040503050406030204" pitchFamily="18" charset="0"/>
+                        </a:rPr>
+                        <m:t>∆</m:t>
+                      </m:r>
+                      <m:r>
+                        <a:rPr lang="en-US" sz="2800" i="1">
+                          <a:latin typeface="Cambria Math" panose="02040503050406030204" pitchFamily="18" charset="0"/>
+                        </a:rPr>
+                        <m:t>𝜎</m:t>
+                      </m:r>
+                      <m:r>
+                        <a:rPr lang="en-US" sz="2800" i="1">
+                          <a:latin typeface="Cambria Math" panose="02040503050406030204" pitchFamily="18" charset="0"/>
+                        </a:rPr>
+                        <m:t>+</m:t>
+                      </m:r>
+                      <m:r>
+                        <a:rPr lang="en-US" sz="2800" b="1" i="1">
+                          <a:latin typeface="Cambria Math" panose="02040503050406030204" pitchFamily="18" charset="0"/>
+                        </a:rPr>
+                        <m:t>𝐠</m:t>
+                      </m:r>
+                      <m:d>
+                        <m:dPr>
+                          <m:ctrlPr>
+                            <a:rPr lang="en-US" sz="2800" i="1">
+                              <a:latin typeface="Cambria Math" panose="02040503050406030204" pitchFamily="18" charset="0"/>
+                            </a:rPr>
+                          </m:ctrlPr>
+                        </m:dPr>
+                        <m:e>
+                          <m:sSub>
+                            <m:sSubPr>
+                              <m:ctrlPr>
+                                <a:rPr lang="en-US" sz="2800" i="1">
+                                  <a:latin typeface="Cambria Math" panose="02040503050406030204" pitchFamily="18" charset="0"/>
+                                </a:rPr>
+                              </m:ctrlPr>
+                            </m:sSubPr>
+                            <m:e>
+                              <m:r>
+                                <a:rPr lang="en-US" sz="2800" b="1" i="1">
+                                  <a:latin typeface="Cambria Math" panose="02040503050406030204" pitchFamily="18" charset="0"/>
+                                </a:rPr>
+                                <m:t>𝐱</m:t>
+                              </m:r>
+                            </m:e>
+                            <m:sub>
+                              <m:r>
+                                <a:rPr lang="en-US" sz="2800" i="1">
+                                  <a:latin typeface="Cambria Math" panose="02040503050406030204" pitchFamily="18" charset="0"/>
+                                </a:rPr>
+                                <m:t>0</m:t>
+                              </m:r>
+                            </m:sub>
+                          </m:sSub>
+                        </m:e>
+                      </m:d>
+                      <m:f>
+                        <m:fPr>
+                          <m:ctrlPr>
+                            <a:rPr lang="en-US" sz="2800" i="1">
+                              <a:latin typeface="Cambria Math" panose="02040503050406030204" pitchFamily="18" charset="0"/>
+                            </a:rPr>
+                          </m:ctrlPr>
+                        </m:fPr>
+                        <m:num>
+                          <m:sSup>
+                            <m:sSupPr>
+                              <m:ctrlPr>
+                                <a:rPr lang="en-US" sz="2800" i="1">
+                                  <a:latin typeface="Cambria Math" panose="02040503050406030204" pitchFamily="18" charset="0"/>
+                                </a:rPr>
+                              </m:ctrlPr>
+                            </m:sSupPr>
+                            <m:e>
+                              <m:d>
+                                <m:dPr>
+                                  <m:ctrlPr>
+                                    <a:rPr lang="en-US" sz="2800" i="1">
+                                      <a:latin typeface="Cambria Math" panose="02040503050406030204" pitchFamily="18" charset="0"/>
+                                    </a:rPr>
+                                  </m:ctrlPr>
+                                </m:dPr>
+                                <m:e>
+                                  <m:r>
+                                    <a:rPr lang="en-US" sz="2800" i="1">
+                                      <a:latin typeface="Cambria Math" panose="02040503050406030204" pitchFamily="18" charset="0"/>
+                                    </a:rPr>
+                                    <m:t>∆</m:t>
+                                  </m:r>
+                                  <m:r>
+                                    <a:rPr lang="en-US" sz="2800" i="1">
+                                      <a:latin typeface="Cambria Math" panose="02040503050406030204" pitchFamily="18" charset="0"/>
+                                    </a:rPr>
+                                    <m:t>𝜎</m:t>
+                                  </m:r>
+                                </m:e>
+                              </m:d>
+                            </m:e>
+                            <m:sup>
+                              <m:r>
+                                <a:rPr lang="en-US" sz="2800" i="1">
+                                  <a:latin typeface="Cambria Math" panose="02040503050406030204" pitchFamily="18" charset="0"/>
+                                </a:rPr>
+                                <m:t>2</m:t>
+                              </m:r>
+                            </m:sup>
+                          </m:sSup>
+                        </m:num>
+                        <m:den>
+                          <m:r>
+                            <a:rPr lang="en-US" sz="2800" i="1">
+                              <a:latin typeface="Cambria Math" panose="02040503050406030204" pitchFamily="18" charset="0"/>
+                            </a:rPr>
+                            <m:t>2</m:t>
+                          </m:r>
+                        </m:den>
+                      </m:f>
+                    </m:oMath>
+                  </m:oMathPara>
+                </a14:m>
+                <a:endParaRPr lang="en-US" sz="2800" dirty="0"/>
+              </a:p>
+            </p:txBody>
+          </p:sp>
+        </mc:Choice>
+        <mc:Fallback>
+          <p:sp>
+            <p:nvSpPr>
+              <p:cNvPr id="19" name="Rectangle 18"/>
+              <p:cNvSpPr>
+                <a:spLocks noRot="1" noChangeAspect="1" noMove="1" noResize="1" noEditPoints="1" noAdjustHandles="1" noChangeArrowheads="1" noChangeShapeType="1" noTextEdit="1"/>
+              </p:cNvSpPr>
+              <p:nvPr/>
+            </p:nvSpPr>
+            <p:spPr>
+              <a:xfrm>
+                <a:off x="16725901" y="19604969"/>
+                <a:ext cx="11125200" cy="2218364"/>
+              </a:xfrm>
+              <a:prstGeom prst="rect">
+                <a:avLst/>
+              </a:prstGeom>
+              <a:blipFill rotWithShape="0">
+                <a:blip r:embed="rId9"/>
+                <a:stretch>
+                  <a:fillRect l="-1151" t="-2747"/>
+                </a:stretch>
+              </a:blipFill>
+            </p:spPr>
+            <p:txBody>
+              <a:bodyPr/>
+              <a:lstStyle/>
+              <a:p>
+                <a:r>
+                  <a:rPr lang="en-US">
+                    <a:noFill/>
+                  </a:rPr>
+                  <a:t> </a:t>
+                </a:r>
+              </a:p>
+            </p:txBody>
+          </p:sp>
+        </mc:Fallback>
+      </mc:AlternateContent>
     </p:spTree>
     <p:extLst>
       <p:ext uri="{BB962C8B-B14F-4D97-AF65-F5344CB8AC3E}">

--- a/PosterDesign.pptx
+++ b/PosterDesign.pptx
@@ -203,7 +203,7 @@
           <a:p>
             <a:fld id="{F1C0B079-A316-4C9B-B165-DF9EA8325D2C}" type="datetimeFigureOut">
               <a:rPr lang="en-US" smtClean="0"/>
-              <a:t>7/27/2017</a:t>
+              <a:t>7/28/2017</a:t>
             </a:fld>
             <a:endParaRPr lang="en-US"/>
           </a:p>
@@ -368,7 +368,7 @@
           <a:p>
             <a:fld id="{38F28AB8-57D1-494F-9851-055AD867E790}" type="datetimeFigureOut">
               <a:rPr lang="en-US" smtClean="0"/>
-              <a:t>7/27/2017</a:t>
+              <a:t>7/28/2017</a:t>
             </a:fld>
             <a:endParaRPr lang="en-US"/>
           </a:p>
@@ -828,7 +828,7 @@
           <a:p>
             <a:fld id="{ECAA57DF-1C19-4726-AB84-014692BAD8F5}" type="datetimeFigureOut">
               <a:rPr lang="en-US" smtClean="0"/>
-              <a:t>7/27/2017</a:t>
+              <a:t>7/28/2017</a:t>
             </a:fld>
             <a:endParaRPr lang="en-US"/>
           </a:p>
@@ -3558,7 +3558,7 @@
             <a:fld id="{ECAA57DF-1C19-4726-AB84-014692BAD8F5}" type="datetimeFigureOut">
               <a:rPr lang="en-US" smtClean="0"/>
               <a:pPr/>
-              <a:t>7/27/2017</a:t>
+              <a:t>7/28/2017</a:t>
             </a:fld>
             <a:endParaRPr lang="en-US"/>
           </a:p>
@@ -4126,12 +4126,12 @@
         <p:spPr>
           <a:xfrm>
             <a:off x="1143000" y="7071360"/>
-            <a:ext cx="12801600" cy="4257833"/>
+            <a:ext cx="12801600" cy="4310670"/>
           </a:xfrm>
         </p:spPr>
         <p:txBody>
           <a:bodyPr>
-            <a:normAutofit/>
+            <a:normAutofit lnSpcReduction="10000"/>
           </a:bodyPr>
           <a:lstStyle/>
           <a:p>
@@ -4139,7 +4139,43 @@
               <a:rPr lang="en-US" dirty="0" smtClean="0">
                 <a:latin typeface="+mj-lt"/>
               </a:rPr>
-              <a:t>The goal of this project was to investigate simple numerical methods and their accuracy as applied to a seismic ray tracing problem. In order to do this, a velocity model for which there exists an analytical solution i.e. in a velocity field with a constant gradient of slowness squared, was compared to rays plotted using Euler’s method. I used two different orders of accuracy for the Euler’s method implementation, to show how increasing accuracy can be achieved by manipulations of Euler’s original formula. Further research was made into how these methods could be applied to more complex velocity models. </a:t>
+              <a:t>The goal of this project was to investigate simple numerical methods and their accuracy as applied to a seismic ray tracing problem. In order to do this, a velocity model for which there exists an analytical solution i.e. </a:t>
+            </a:r>
+            <a:r>
+              <a:rPr lang="en-US" dirty="0" smtClean="0">
+                <a:latin typeface="+mj-lt"/>
+              </a:rPr>
+              <a:t>a </a:t>
+            </a:r>
+            <a:r>
+              <a:rPr lang="en-US" dirty="0" smtClean="0">
+                <a:latin typeface="+mj-lt"/>
+              </a:rPr>
+              <a:t>velocity field with a constant gradient of slowness squared, was compared to rays plotted using Euler’s method. I used two different orders of accuracy for the Euler’s method </a:t>
+            </a:r>
+            <a:r>
+              <a:rPr lang="en-US" dirty="0" smtClean="0">
+                <a:latin typeface="+mj-lt"/>
+              </a:rPr>
+              <a:t>implementation to </a:t>
+            </a:r>
+            <a:r>
+              <a:rPr lang="en-US" dirty="0" smtClean="0">
+                <a:latin typeface="+mj-lt"/>
+              </a:rPr>
+              <a:t>show how increasing accuracy can be achieved by manipulations of Euler’s original formula. Further research was made into how these methods could be applied to more complex velocity </a:t>
+            </a:r>
+            <a:r>
+              <a:rPr lang="en-US" dirty="0" smtClean="0">
+                <a:latin typeface="+mj-lt"/>
+              </a:rPr>
+              <a:t>models</a:t>
+            </a:r>
+            <a:r>
+              <a:rPr lang="en-US" dirty="0" smtClean="0">
+                <a:latin typeface="+mj-lt"/>
+              </a:rPr>
+              <a:t>; however, since analytic solutions are not known for these more complex models, no error investigations were made for these cases. </a:t>
             </a:r>
             <a:endParaRPr lang="en-US" dirty="0">
               <a:latin typeface="+mj-lt"/>
@@ -4157,13 +4193,18 @@
             <p:ph type="body" sz="quarter" idx="17"/>
           </p:nvPr>
         </p:nvSpPr>
-        <p:spPr/>
+        <p:spPr>
+          <a:xfrm>
+            <a:off x="1143000" y="11991630"/>
+            <a:ext cx="12801600" cy="1219200"/>
+          </a:xfrm>
+        </p:spPr>
         <p:txBody>
           <a:bodyPr/>
           <a:lstStyle/>
           <a:p>
             <a:r>
-              <a:rPr lang="en-US" smtClean="0"/>
+              <a:rPr lang="en-US" dirty="0" smtClean="0"/>
               <a:t>background</a:t>
             </a:r>
             <a:endParaRPr lang="en-US" dirty="0"/>
@@ -4182,7 +4223,7 @@
         </p:nvSpPr>
         <p:spPr>
           <a:xfrm>
-            <a:off x="1143000" y="16251937"/>
+            <a:off x="1143000" y="13210830"/>
             <a:ext cx="12801600" cy="2390024"/>
           </a:xfrm>
         </p:spPr>
@@ -4194,28 +4235,36 @@
               <a:buNone/>
             </a:pPr>
             <a:r>
-              <a:rPr lang="en-US" b="1" dirty="0" smtClean="0"/>
+              <a:rPr lang="en-US" b="1" dirty="0" smtClean="0">
+                <a:latin typeface="+mj-lt"/>
+              </a:rPr>
               <a:t>Seismic Ray Tracing and the Need for Numerical Solutions</a:t>
             </a:r>
           </a:p>
           <a:p>
             <a:pPr lvl="1"/>
             <a:r>
-              <a:rPr lang="en-US" dirty="0" smtClean="0"/>
+              <a:rPr lang="en-US" dirty="0" smtClean="0">
+                <a:latin typeface="+mj-lt"/>
+              </a:rPr>
               <a:t>Background item</a:t>
             </a:r>
           </a:p>
           <a:p>
             <a:pPr lvl="1"/>
             <a:r>
-              <a:rPr lang="en-US" dirty="0" smtClean="0"/>
+              <a:rPr lang="en-US" dirty="0" smtClean="0">
+                <a:latin typeface="+mj-lt"/>
+              </a:rPr>
               <a:t>Background item</a:t>
             </a:r>
           </a:p>
           <a:p>
             <a:pPr lvl="1"/>
             <a:r>
-              <a:rPr lang="en-US" dirty="0" smtClean="0"/>
+              <a:rPr lang="en-US" dirty="0" smtClean="0">
+                <a:latin typeface="+mj-lt"/>
+              </a:rPr>
               <a:t>Background item</a:t>
             </a:r>
           </a:p>
@@ -4592,7 +4641,7 @@
         </p:nvSpPr>
         <p:spPr>
           <a:xfrm>
-            <a:off x="1143000" y="18641961"/>
+            <a:off x="1143000" y="15600854"/>
             <a:ext cx="12801600" cy="523220"/>
           </a:xfrm>
           <a:prstGeom prst="rect">
@@ -4607,72 +4656,14 @@
           <a:lstStyle/>
           <a:p>
             <a:r>
-              <a:rPr lang="en-US" sz="2800" b="1" dirty="0" smtClean="0"/>
+              <a:rPr lang="en-US" sz="2800" b="1" dirty="0" smtClean="0">
+                <a:latin typeface="+mj-lt"/>
+              </a:rPr>
               <a:t>   Orders of Accuracy</a:t>
             </a:r>
           </a:p>
         </p:txBody>
       </p:sp>
-      <p:pic>
-        <p:nvPicPr>
-          <p:cNvPr id="2" name="Picture 1"/>
-          <p:cNvPicPr>
-            <a:picLocks noChangeAspect="1"/>
-          </p:cNvPicPr>
-          <p:nvPr/>
-        </p:nvPicPr>
-        <p:blipFill>
-          <a:blip r:embed="rId4">
-            <a:extLst>
-              <a:ext uri="{28A0092B-C50C-407E-A947-70E740481C1C}">
-                <a14:useLocalDpi xmlns:a14="http://schemas.microsoft.com/office/drawing/2010/main" val="0"/>
-              </a:ext>
-            </a:extLst>
-          </a:blip>
-          <a:stretch>
-            <a:fillRect/>
-          </a:stretch>
-        </p:blipFill>
-        <p:spPr>
-          <a:xfrm>
-            <a:off x="29527501" y="7282886"/>
-            <a:ext cx="6699753" cy="5424616"/>
-          </a:xfrm>
-          <a:prstGeom prst="rect">
-            <a:avLst/>
-          </a:prstGeom>
-        </p:spPr>
-      </p:pic>
-      <p:pic>
-        <p:nvPicPr>
-          <p:cNvPr id="20" name="Picture 19"/>
-          <p:cNvPicPr>
-            <a:picLocks noChangeAspect="1"/>
-          </p:cNvPicPr>
-          <p:nvPr/>
-        </p:nvPicPr>
-        <p:blipFill>
-          <a:blip r:embed="rId5">
-            <a:extLst>
-              <a:ext uri="{28A0092B-C50C-407E-A947-70E740481C1C}">
-                <a14:useLocalDpi xmlns:a14="http://schemas.microsoft.com/office/drawing/2010/main" val="0"/>
-              </a:ext>
-            </a:extLst>
-          </a:blip>
-          <a:stretch>
-            <a:fillRect/>
-          </a:stretch>
-        </p:blipFill>
-        <p:spPr>
-          <a:xfrm>
-            <a:off x="36222338" y="7282886"/>
-            <a:ext cx="6684888" cy="5425314"/>
-          </a:xfrm>
-          <a:prstGeom prst="rect">
-            <a:avLst/>
-          </a:prstGeom>
-        </p:spPr>
-      </p:pic>
       <mc:AlternateContent xmlns:mc="http://schemas.openxmlformats.org/markup-compatibility/2006">
         <mc:Choice xmlns:a14="http://schemas.microsoft.com/office/drawing/2010/main" Requires="a14">
           <p:sp>
@@ -4702,8 +4693,18 @@
                   </a:rPr>
                   <a:t>Analytic Solution </a:t>
                 </a:r>
+                <a:r>
+                  <a:rPr lang="en-US" sz="2800" dirty="0" smtClean="0">
+                    <a:latin typeface="+mj-lt"/>
+                  </a:rPr>
+                  <a:t>for Case of Constant Gradient of Slowness Squared</a:t>
+                </a:r>
+                <a:endParaRPr lang="en-US" sz="2800" dirty="0" smtClean="0">
+                  <a:latin typeface="+mj-lt"/>
+                </a:endParaRPr>
               </a:p>
               <a:p>
+                <a:pPr/>
                 <a14:m>
                   <m:oMathPara xmlns:m="http://schemas.openxmlformats.org/officeDocument/2006/math">
                     <m:oMathParaPr>
@@ -5110,7 +5111,6 @@
                 <a:endParaRPr lang="en-US" sz="2800" dirty="0"/>
               </a:p>
               <a:p>
-                <a:pPr/>
                 <a:endParaRPr lang="en-US" dirty="0"/>
               </a:p>
             </p:txBody>
@@ -5134,7 +5134,7 @@
                 <a:avLst/>
               </a:prstGeom>
               <a:blipFill rotWithShape="0">
-                <a:blip r:embed="rId6"/>
+                <a:blip r:embed="rId4"/>
                 <a:stretch>
                   <a:fillRect l="-1151" t="-2075"/>
                 </a:stretch>
@@ -5155,8 +5155,8 @@
           </p:sp>
         </mc:Fallback>
       </mc:AlternateContent>
-      <mc:AlternateContent xmlns:mc="http://schemas.openxmlformats.org/markup-compatibility/2006">
-        <mc:Choice xmlns:a14="http://schemas.microsoft.com/office/drawing/2010/main" Requires="a14">
+      <mc:AlternateContent xmlns:mc="http://schemas.openxmlformats.org/markup-compatibility/2006" xmlns:a14="http://schemas.microsoft.com/office/drawing/2010/main">
+        <mc:Choice Requires="a14">
           <p:sp>
             <p:nvSpPr>
               <p:cNvPr id="3" name="Rectangle 2"/>
@@ -5186,6 +5186,7 @@
                 </a:r>
               </a:p>
               <a:p>
+                <a:pPr/>
                 <a14:m>
                   <m:oMathPara xmlns:m="http://schemas.openxmlformats.org/officeDocument/2006/math">
                     <m:oMathParaPr>
@@ -5309,6 +5310,7 @@
                 <a:endParaRPr lang="en-US" sz="2800" dirty="0"/>
               </a:p>
               <a:p>
+                <a:pPr/>
                 <a14:m>
                   <m:oMathPara xmlns:m="http://schemas.openxmlformats.org/officeDocument/2006/math">
                     <m:oMathParaPr>
@@ -5446,7 +5448,7 @@
             </p:txBody>
           </p:sp>
         </mc:Choice>
-        <mc:Fallback>
+        <mc:Fallback xmlns="">
           <p:sp>
             <p:nvSpPr>
               <p:cNvPr id="3" name="Rectangle 2"/>
@@ -5485,8 +5487,8 @@
           </p:sp>
         </mc:Fallback>
       </mc:AlternateContent>
-      <mc:AlternateContent xmlns:mc="http://schemas.openxmlformats.org/markup-compatibility/2006">
-        <mc:Choice xmlns:a14="http://schemas.microsoft.com/office/drawing/2010/main" Requires="a14">
+      <mc:AlternateContent xmlns:mc="http://schemas.openxmlformats.org/markup-compatibility/2006" xmlns:a14="http://schemas.microsoft.com/office/drawing/2010/main">
+        <mc:Choice Requires="a14">
           <p:sp>
             <p:nvSpPr>
               <p:cNvPr id="6" name="Rectangle 5"/>
@@ -5516,6 +5518,7 @@
                 </a:r>
               </a:p>
               <a:p>
+                <a:pPr/>
                 <a14:m>
                   <m:oMathPara xmlns:m="http://schemas.openxmlformats.org/officeDocument/2006/math">
                     <m:oMathParaPr>
@@ -5664,6 +5667,7 @@
                 <a:endParaRPr lang="en-US" sz="2800" dirty="0"/>
               </a:p>
               <a:p>
+                <a:pPr/>
                 <a14:m>
                   <m:oMathPara xmlns:m="http://schemas.openxmlformats.org/officeDocument/2006/math">
                     <m:oMathParaPr>
@@ -5794,6 +5798,7 @@
                 <a:endParaRPr lang="en-US" sz="2800" dirty="0"/>
               </a:p>
               <a:p>
+                <a:pPr/>
                 <a14:m>
                   <m:oMathPara xmlns:m="http://schemas.openxmlformats.org/officeDocument/2006/math">
                     <m:oMathParaPr>
@@ -5924,6 +5929,7 @@
                 <a:endParaRPr lang="en-US" sz="2800" dirty="0"/>
               </a:p>
               <a:p>
+                <a:pPr/>
                 <a14:m>
                   <m:oMathPara xmlns:m="http://schemas.openxmlformats.org/officeDocument/2006/math">
                     <m:oMathParaPr>
@@ -6074,7 +6080,7 @@
             </p:txBody>
           </p:sp>
         </mc:Choice>
-        <mc:Fallback>
+        <mc:Fallback xmlns="">
           <p:sp>
             <p:nvSpPr>
               <p:cNvPr id="6" name="Rectangle 5"/>
@@ -6113,27 +6119,37 @@
           </p:sp>
         </mc:Fallback>
       </mc:AlternateContent>
-      <p:sp>
-        <p:nvSpPr>
-          <p:cNvPr id="10" name="Content Placeholder 9"/>
-          <p:cNvSpPr>
-            <a:spLocks noGrp="1"/>
-          </p:cNvSpPr>
+      <p:pic>
+        <p:nvPicPr>
+          <p:cNvPr id="15" name="Content Placeholder 14"/>
+          <p:cNvPicPr>
+            <a:picLocks noGrp="1" noChangeAspect="1"/>
+          </p:cNvPicPr>
           <p:nvPr>
             <p:ph sz="quarter" idx="28"/>
           </p:nvPr>
-        </p:nvSpPr>
-        <p:spPr/>
-        <p:txBody>
-          <a:bodyPr/>
-          <a:lstStyle/>
-          <a:p>
-            <a:endParaRPr lang="en-US"/>
-          </a:p>
-        </p:txBody>
-      </p:sp>
-      <mc:AlternateContent xmlns:mc="http://schemas.openxmlformats.org/markup-compatibility/2006">
-        <mc:Choice xmlns:a14="http://schemas.microsoft.com/office/drawing/2010/main" Requires="a14">
+        </p:nvPicPr>
+        <p:blipFill>
+          <a:blip r:embed="rId9" cstate="print">
+            <a:extLst>
+              <a:ext uri="{28A0092B-C50C-407E-A947-70E740481C1C}">
+                <a14:useLocalDpi xmlns:a14="http://schemas.microsoft.com/office/drawing/2010/main" val="0"/>
+              </a:ext>
+            </a:extLst>
+          </a:blip>
+          <a:stretch>
+            <a:fillRect/>
+          </a:stretch>
+        </p:blipFill>
+        <p:spPr>
+          <a:xfrm>
+            <a:off x="29843609" y="14767352"/>
+            <a:ext cx="10161391" cy="7498228"/>
+          </a:xfrm>
+        </p:spPr>
+      </p:pic>
+      <mc:AlternateContent xmlns:mc="http://schemas.openxmlformats.org/markup-compatibility/2006" xmlns:a14="http://schemas.microsoft.com/office/drawing/2010/main">
+        <mc:Choice Requires="a14">
           <p:sp>
             <p:nvSpPr>
               <p:cNvPr id="19" name="Rectangle 18"/>
@@ -6159,16 +6175,11 @@
                   <a:rPr lang="en-US" sz="2800" dirty="0">
                     <a:latin typeface="+mj-lt"/>
                   </a:rPr>
-                  <a:t>Euler Second Order Equation</a:t>
-                </a:r>
-                <a:r>
-                  <a:rPr lang="en-US" sz="2800" dirty="0">
-                    <a:latin typeface="+mj-lt"/>
-                  </a:rPr>
-                  <a:t> </a:t>
+                  <a:t>Euler Second Order Equation </a:t>
                 </a:r>
               </a:p>
               <a:p>
+                <a:pPr/>
                 <a14:m>
                   <m:oMathPara xmlns:m="http://schemas.openxmlformats.org/officeDocument/2006/math">
                     <m:oMathParaPr>
@@ -6376,6 +6387,7 @@
                 <a:endParaRPr lang="en-US" sz="2800" dirty="0"/>
               </a:p>
               <a:p>
+                <a:pPr/>
                 <a14:m>
                   <m:oMathPara xmlns:m="http://schemas.openxmlformats.org/officeDocument/2006/math">
                     <m:oMathParaPr>
@@ -6610,7 +6622,7 @@
             </p:txBody>
           </p:sp>
         </mc:Choice>
-        <mc:Fallback>
+        <mc:Fallback xmlns="">
           <p:sp>
             <p:nvSpPr>
               <p:cNvPr id="19" name="Rectangle 18"/>
@@ -6628,7 +6640,7 @@
                 <a:avLst/>
               </a:prstGeom>
               <a:blipFill rotWithShape="0">
-                <a:blip r:embed="rId9"/>
+                <a:blip r:embed="rId10"/>
                 <a:stretch>
                   <a:fillRect l="-1151" t="-2747"/>
                 </a:stretch>
@@ -6649,6 +6661,36 @@
           </p:sp>
         </mc:Fallback>
       </mc:AlternateContent>
+      <p:pic>
+        <p:nvPicPr>
+          <p:cNvPr id="24" name="Picture 23"/>
+          <p:cNvPicPr>
+            <a:picLocks noChangeAspect="1"/>
+          </p:cNvPicPr>
+          <p:nvPr/>
+        </p:nvPicPr>
+        <p:blipFill>
+          <a:blip r:embed="rId11">
+            <a:extLst>
+              <a:ext uri="{28A0092B-C50C-407E-A947-70E740481C1C}">
+                <a14:useLocalDpi xmlns:a14="http://schemas.microsoft.com/office/drawing/2010/main" val="0"/>
+              </a:ext>
+            </a:extLst>
+          </a:blip>
+          <a:stretch>
+            <a:fillRect/>
+          </a:stretch>
+        </p:blipFill>
+        <p:spPr>
+          <a:xfrm>
+            <a:off x="29946600" y="7410190"/>
+            <a:ext cx="10058400" cy="7413697"/>
+          </a:xfrm>
+          <a:prstGeom prst="rect">
+            <a:avLst/>
+          </a:prstGeom>
+        </p:spPr>
+      </p:pic>
     </p:spTree>
     <p:extLst>
       <p:ext uri="{BB962C8B-B14F-4D97-AF65-F5344CB8AC3E}">
